--- a/Presentation_Homework_2.pptx
+++ b/Presentation_Homework_2.pptx
@@ -111,6 +111,11 @@
       </a:defRPr>
     </a:lvl9pPr>
   </p:defaultTextStyle>
+  <p:extLst>
+    <p:ext uri="{EFAFB233-063F-42B5-8137-9DF3F51BA10A}">
+      <p15:sldGuideLst xmlns:p15="http://schemas.microsoft.com/office/powerpoint/2012/main"/>
+    </p:ext>
+  </p:extLst>
 </p:presentation>
 </file>
 
@@ -170,7 +175,7 @@
           </a:lstStyle>
           <a:p>
             <a:r>
-              <a:rPr lang="en-US" smtClean="0"/>
+              <a:rPr lang="en-US"/>
               <a:t>Click to edit Master title style</a:t>
             </a:r>
             <a:endParaRPr lang="en-US" dirty="0"/>
@@ -246,7 +251,7 @@
           </a:lstStyle>
           <a:p>
             <a:r>
-              <a:rPr lang="en-US" smtClean="0"/>
+              <a:rPr lang="en-US"/>
               <a:t>Click to edit Master subtitle style</a:t>
             </a:r>
             <a:endParaRPr lang="en-US" dirty="0"/>
@@ -532,7 +537,7 @@
           <a:lstStyle/>
           <a:p>
             <a:r>
-              <a:rPr lang="en-US" smtClean="0"/>
+              <a:rPr lang="en-US"/>
               <a:t>Click to edit Master title style</a:t>
             </a:r>
             <a:endParaRPr lang="en-US" dirty="0"/>
@@ -561,35 +566,35 @@
           <a:p>
             <a:pPr lvl="0"/>
             <a:r>
-              <a:rPr lang="en-US" smtClean="0"/>
+              <a:rPr lang="en-US"/>
               <a:t>Click to edit Master text styles</a:t>
             </a:r>
           </a:p>
           <a:p>
             <a:pPr lvl="1"/>
             <a:r>
-              <a:rPr lang="en-US" smtClean="0"/>
+              <a:rPr lang="en-US"/>
               <a:t>Second level</a:t>
             </a:r>
           </a:p>
           <a:p>
             <a:pPr lvl="2"/>
             <a:r>
-              <a:rPr lang="en-US" smtClean="0"/>
+              <a:rPr lang="en-US"/>
               <a:t>Third level</a:t>
             </a:r>
           </a:p>
           <a:p>
             <a:pPr lvl="3"/>
             <a:r>
-              <a:rPr lang="en-US" smtClean="0"/>
+              <a:rPr lang="en-US"/>
               <a:t>Fourth level</a:t>
             </a:r>
           </a:p>
           <a:p>
             <a:pPr lvl="4"/>
             <a:r>
-              <a:rPr lang="en-US" smtClean="0"/>
+              <a:rPr lang="en-US"/>
               <a:t>Fifth level</a:t>
             </a:r>
             <a:endParaRPr lang="en-US" dirty="0"/>
@@ -712,7 +717,7 @@
           <a:lstStyle/>
           <a:p>
             <a:r>
-              <a:rPr lang="en-US" smtClean="0"/>
+              <a:rPr lang="en-US"/>
               <a:t>Click to edit Master title style</a:t>
             </a:r>
             <a:endParaRPr lang="en-US" dirty="0"/>
@@ -741,35 +746,35 @@
           <a:p>
             <a:pPr lvl="0"/>
             <a:r>
-              <a:rPr lang="en-US" smtClean="0"/>
+              <a:rPr lang="en-US"/>
               <a:t>Click to edit Master text styles</a:t>
             </a:r>
           </a:p>
           <a:p>
             <a:pPr lvl="1"/>
             <a:r>
-              <a:rPr lang="en-US" smtClean="0"/>
+              <a:rPr lang="en-US"/>
               <a:t>Second level</a:t>
             </a:r>
           </a:p>
           <a:p>
             <a:pPr lvl="2"/>
             <a:r>
-              <a:rPr lang="en-US" smtClean="0"/>
+              <a:rPr lang="en-US"/>
               <a:t>Third level</a:t>
             </a:r>
           </a:p>
           <a:p>
             <a:pPr lvl="3"/>
             <a:r>
-              <a:rPr lang="en-US" smtClean="0"/>
+              <a:rPr lang="en-US"/>
               <a:t>Fourth level</a:t>
             </a:r>
           </a:p>
           <a:p>
             <a:pPr lvl="4"/>
             <a:r>
-              <a:rPr lang="en-US" smtClean="0"/>
+              <a:rPr lang="en-US"/>
               <a:t>Fifth level</a:t>
             </a:r>
             <a:endParaRPr lang="en-US" dirty="0"/>
@@ -887,7 +892,7 @@
           <a:lstStyle/>
           <a:p>
             <a:r>
-              <a:rPr lang="en-US" smtClean="0"/>
+              <a:rPr lang="en-US"/>
               <a:t>Click to edit Master title style</a:t>
             </a:r>
             <a:endParaRPr lang="en-US" dirty="0"/>
@@ -911,35 +916,35 @@
           <a:p>
             <a:pPr lvl="0"/>
             <a:r>
-              <a:rPr lang="en-US" smtClean="0"/>
+              <a:rPr lang="en-US"/>
               <a:t>Click to edit Master text styles</a:t>
             </a:r>
           </a:p>
           <a:p>
             <a:pPr lvl="1"/>
             <a:r>
-              <a:rPr lang="en-US" smtClean="0"/>
+              <a:rPr lang="en-US"/>
               <a:t>Second level</a:t>
             </a:r>
           </a:p>
           <a:p>
             <a:pPr lvl="2"/>
             <a:r>
-              <a:rPr lang="en-US" smtClean="0"/>
+              <a:rPr lang="en-US"/>
               <a:t>Third level</a:t>
             </a:r>
           </a:p>
           <a:p>
             <a:pPr lvl="3"/>
             <a:r>
-              <a:rPr lang="en-US" smtClean="0"/>
+              <a:rPr lang="en-US"/>
               <a:t>Fourth level</a:t>
             </a:r>
           </a:p>
           <a:p>
             <a:pPr lvl="4"/>
             <a:r>
-              <a:rPr lang="en-US" smtClean="0"/>
+              <a:rPr lang="en-US"/>
               <a:t>Fifth level</a:t>
             </a:r>
             <a:endParaRPr lang="en-US" dirty="0"/>
@@ -1077,7 +1082,7 @@
           </a:lstStyle>
           <a:p>
             <a:r>
-              <a:rPr lang="en-US" smtClean="0"/>
+              <a:rPr lang="en-US"/>
               <a:t>Click to edit Master title style</a:t>
             </a:r>
             <a:endParaRPr lang="en-US" dirty="0"/>
@@ -1204,7 +1209,7 @@
           <a:p>
             <a:pPr lvl="0"/>
             <a:r>
-              <a:rPr lang="en-US" smtClean="0"/>
+              <a:rPr lang="en-US"/>
               <a:t>Click to edit Master text styles</a:t>
             </a:r>
           </a:p>
@@ -1424,7 +1429,7 @@
           </a:lstStyle>
           <a:p>
             <a:r>
-              <a:rPr lang="en-US" smtClean="0"/>
+              <a:rPr lang="en-US"/>
               <a:t>Click to edit Master title style</a:t>
             </a:r>
             <a:endParaRPr lang="en-US" dirty="0"/>
@@ -1489,35 +1494,35 @@
           <a:p>
             <a:pPr lvl="0"/>
             <a:r>
-              <a:rPr lang="en-US" smtClean="0"/>
+              <a:rPr lang="en-US"/>
               <a:t>Click to edit Master text styles</a:t>
             </a:r>
           </a:p>
           <a:p>
             <a:pPr lvl="1"/>
             <a:r>
-              <a:rPr lang="en-US" smtClean="0"/>
+              <a:rPr lang="en-US"/>
               <a:t>Second level</a:t>
             </a:r>
           </a:p>
           <a:p>
             <a:pPr lvl="2"/>
             <a:r>
-              <a:rPr lang="en-US" smtClean="0"/>
+              <a:rPr lang="en-US"/>
               <a:t>Third level</a:t>
             </a:r>
           </a:p>
           <a:p>
             <a:pPr lvl="3"/>
             <a:r>
-              <a:rPr lang="en-US" smtClean="0"/>
+              <a:rPr lang="en-US"/>
               <a:t>Fourth level</a:t>
             </a:r>
           </a:p>
           <a:p>
             <a:pPr lvl="4"/>
             <a:r>
-              <a:rPr lang="en-US" smtClean="0"/>
+              <a:rPr lang="en-US"/>
               <a:t>Fifth level</a:t>
             </a:r>
             <a:endParaRPr lang="en-US" dirty="0"/>
@@ -1582,35 +1587,35 @@
           <a:p>
             <a:pPr lvl="0"/>
             <a:r>
-              <a:rPr lang="en-US" smtClean="0"/>
+              <a:rPr lang="en-US"/>
               <a:t>Click to edit Master text styles</a:t>
             </a:r>
           </a:p>
           <a:p>
             <a:pPr lvl="1"/>
             <a:r>
-              <a:rPr lang="en-US" smtClean="0"/>
+              <a:rPr lang="en-US"/>
               <a:t>Second level</a:t>
             </a:r>
           </a:p>
           <a:p>
             <a:pPr lvl="2"/>
             <a:r>
-              <a:rPr lang="en-US" smtClean="0"/>
+              <a:rPr lang="en-US"/>
               <a:t>Third level</a:t>
             </a:r>
           </a:p>
           <a:p>
             <a:pPr lvl="3"/>
             <a:r>
-              <a:rPr lang="en-US" smtClean="0"/>
+              <a:rPr lang="en-US"/>
               <a:t>Fourth level</a:t>
             </a:r>
           </a:p>
           <a:p>
             <a:pPr lvl="4"/>
             <a:r>
-              <a:rPr lang="en-US" smtClean="0"/>
+              <a:rPr lang="en-US"/>
               <a:t>Fifth level</a:t>
             </a:r>
             <a:endParaRPr lang="en-US" dirty="0"/>
@@ -1741,7 +1746,7 @@
           </a:lstStyle>
           <a:p>
             <a:r>
-              <a:rPr lang="en-US" smtClean="0"/>
+              <a:rPr lang="en-US"/>
               <a:t>Click to edit Master title style</a:t>
             </a:r>
             <a:endParaRPr lang="en-US" dirty="0"/>
@@ -1822,7 +1827,7 @@
           <a:p>
             <a:pPr lvl="0"/>
             <a:r>
-              <a:rPr lang="en-US" smtClean="0"/>
+              <a:rPr lang="en-US"/>
               <a:t>Click to edit Master text styles</a:t>
             </a:r>
           </a:p>
@@ -1886,35 +1891,35 @@
           <a:p>
             <a:pPr lvl="0"/>
             <a:r>
-              <a:rPr lang="en-US" smtClean="0"/>
+              <a:rPr lang="en-US"/>
               <a:t>Click to edit Master text styles</a:t>
             </a:r>
           </a:p>
           <a:p>
             <a:pPr lvl="1"/>
             <a:r>
-              <a:rPr lang="en-US" smtClean="0"/>
+              <a:rPr lang="en-US"/>
               <a:t>Second level</a:t>
             </a:r>
           </a:p>
           <a:p>
             <a:pPr lvl="2"/>
             <a:r>
-              <a:rPr lang="en-US" smtClean="0"/>
+              <a:rPr lang="en-US"/>
               <a:t>Third level</a:t>
             </a:r>
           </a:p>
           <a:p>
             <a:pPr lvl="3"/>
             <a:r>
-              <a:rPr lang="en-US" smtClean="0"/>
+              <a:rPr lang="en-US"/>
               <a:t>Fourth level</a:t>
             </a:r>
           </a:p>
           <a:p>
             <a:pPr lvl="4"/>
             <a:r>
-              <a:rPr lang="en-US" smtClean="0"/>
+              <a:rPr lang="en-US"/>
               <a:t>Fifth level</a:t>
             </a:r>
             <a:endParaRPr lang="en-US" dirty="0"/>
@@ -1995,7 +2000,7 @@
           <a:p>
             <a:pPr lvl="0"/>
             <a:r>
-              <a:rPr lang="en-US" smtClean="0"/>
+              <a:rPr lang="en-US"/>
               <a:t>Click to edit Master text styles</a:t>
             </a:r>
           </a:p>
@@ -2059,35 +2064,35 @@
           <a:p>
             <a:pPr lvl="0"/>
             <a:r>
-              <a:rPr lang="en-US" smtClean="0"/>
+              <a:rPr lang="en-US"/>
               <a:t>Click to edit Master text styles</a:t>
             </a:r>
           </a:p>
           <a:p>
             <a:pPr lvl="1"/>
             <a:r>
-              <a:rPr lang="en-US" smtClean="0"/>
+              <a:rPr lang="en-US"/>
               <a:t>Second level</a:t>
             </a:r>
           </a:p>
           <a:p>
             <a:pPr lvl="2"/>
             <a:r>
-              <a:rPr lang="en-US" smtClean="0"/>
+              <a:rPr lang="en-US"/>
               <a:t>Third level</a:t>
             </a:r>
           </a:p>
           <a:p>
             <a:pPr lvl="3"/>
             <a:r>
-              <a:rPr lang="en-US" smtClean="0"/>
+              <a:rPr lang="en-US"/>
               <a:t>Fourth level</a:t>
             </a:r>
           </a:p>
           <a:p>
             <a:pPr lvl="4"/>
             <a:r>
-              <a:rPr lang="en-US" smtClean="0"/>
+              <a:rPr lang="en-US"/>
               <a:t>Fifth level</a:t>
             </a:r>
             <a:endParaRPr lang="en-US" dirty="0"/>
@@ -2205,7 +2210,7 @@
           <a:lstStyle/>
           <a:p>
             <a:r>
-              <a:rPr lang="en-US" smtClean="0"/>
+              <a:rPr lang="en-US"/>
               <a:t>Click to edit Master title style</a:t>
             </a:r>
             <a:endParaRPr lang="en-US" dirty="0"/>
@@ -2474,7 +2479,7 @@
           </a:lstStyle>
           <a:p>
             <a:r>
-              <a:rPr lang="en-US" smtClean="0"/>
+              <a:rPr lang="en-US"/>
               <a:t>Click to edit Master title style</a:t>
             </a:r>
             <a:endParaRPr lang="en-US" dirty="0"/>
@@ -2531,35 +2536,35 @@
           <a:p>
             <a:pPr lvl="0"/>
             <a:r>
-              <a:rPr lang="en-US" smtClean="0"/>
+              <a:rPr lang="en-US"/>
               <a:t>Click to edit Master text styles</a:t>
             </a:r>
           </a:p>
           <a:p>
             <a:pPr lvl="1"/>
             <a:r>
-              <a:rPr lang="en-US" smtClean="0"/>
+              <a:rPr lang="en-US"/>
               <a:t>Second level</a:t>
             </a:r>
           </a:p>
           <a:p>
             <a:pPr lvl="2"/>
             <a:r>
-              <a:rPr lang="en-US" smtClean="0"/>
+              <a:rPr lang="en-US"/>
               <a:t>Third level</a:t>
             </a:r>
           </a:p>
           <a:p>
             <a:pPr lvl="3"/>
             <a:r>
-              <a:rPr lang="en-US" smtClean="0"/>
+              <a:rPr lang="en-US"/>
               <a:t>Fourth level</a:t>
             </a:r>
           </a:p>
           <a:p>
             <a:pPr lvl="4"/>
             <a:r>
-              <a:rPr lang="en-US" smtClean="0"/>
+              <a:rPr lang="en-US"/>
               <a:t>Fifth level</a:t>
             </a:r>
             <a:endParaRPr lang="en-US" dirty="0"/>
@@ -2634,7 +2639,7 @@
           <a:p>
             <a:pPr lvl="0"/>
             <a:r>
-              <a:rPr lang="en-US" smtClean="0"/>
+              <a:rPr lang="en-US"/>
               <a:t>Click to edit Master text styles</a:t>
             </a:r>
           </a:p>
@@ -2880,7 +2885,7 @@
           </a:lstStyle>
           <a:p>
             <a:r>
-              <a:rPr lang="en-US" smtClean="0"/>
+              <a:rPr lang="en-US"/>
               <a:t>Click to edit Master title style</a:t>
             </a:r>
             <a:endParaRPr lang="en-US" dirty="0"/>
@@ -2947,7 +2952,7 @@
           </a:lstStyle>
           <a:p>
             <a:r>
-              <a:rPr lang="en-US" smtClean="0"/>
+              <a:rPr lang="en-US"/>
               <a:t>Click icon to add picture</a:t>
             </a:r>
             <a:endParaRPr lang="en-US" dirty="0"/>
@@ -3022,7 +3027,7 @@
           <a:p>
             <a:pPr lvl="0"/>
             <a:r>
-              <a:rPr lang="en-US" smtClean="0"/>
+              <a:rPr lang="en-US"/>
               <a:t>Click to edit Master text styles</a:t>
             </a:r>
           </a:p>
@@ -3234,7 +3239,7 @@
           <a:lstStyle/>
           <a:p>
             <a:r>
-              <a:rPr lang="en-US" smtClean="0"/>
+              <a:rPr lang="en-US"/>
               <a:t>Click to edit Master title style</a:t>
             </a:r>
             <a:endParaRPr lang="en-US" dirty="0"/>
@@ -3268,35 +3273,35 @@
           <a:p>
             <a:pPr lvl="0"/>
             <a:r>
-              <a:rPr lang="en-US" smtClean="0"/>
+              <a:rPr lang="en-US"/>
               <a:t>Click to edit Master text styles</a:t>
             </a:r>
           </a:p>
           <a:p>
             <a:pPr lvl="1"/>
             <a:r>
-              <a:rPr lang="en-US" smtClean="0"/>
+              <a:rPr lang="en-US"/>
               <a:t>Second level</a:t>
             </a:r>
           </a:p>
           <a:p>
             <a:pPr lvl="2"/>
             <a:r>
-              <a:rPr lang="en-US" smtClean="0"/>
+              <a:rPr lang="en-US"/>
               <a:t>Third level</a:t>
             </a:r>
           </a:p>
           <a:p>
             <a:pPr lvl="3"/>
             <a:r>
-              <a:rPr lang="en-US" smtClean="0"/>
+              <a:rPr lang="en-US"/>
               <a:t>Fourth level</a:t>
             </a:r>
           </a:p>
           <a:p>
             <a:pPr lvl="4"/>
             <a:r>
-              <a:rPr lang="en-US" smtClean="0"/>
+              <a:rPr lang="en-US"/>
               <a:t>Fifth level</a:t>
             </a:r>
             <a:endParaRPr lang="en-US" dirty="0"/>
@@ -3782,45 +3787,45 @@
       </a:lvl9pPr>
     </p:otherStyle>
   </p:txStyles>
-  <p:extLst mod="1">
+  <p:extLst>
     <p:ext uri="{27BBF7A9-308A-43DC-89C8-2F10F3537804}">
       <p15:sldGuideLst xmlns:p15="http://schemas.microsoft.com/office/powerpoint/2012/main">
-        <p15:guide id="4294967295" orient="horz" pos="1368">
+        <p15:guide id="1" orient="horz" pos="1368">
           <p15:clr>
             <a:srgbClr val="F26B43"/>
           </p15:clr>
         </p15:guide>
-        <p15:guide id="4294967295" orient="horz" pos="1440">
+        <p15:guide id="2" orient="horz" pos="1440">
           <p15:clr>
             <a:srgbClr val="F26B43"/>
           </p15:clr>
         </p15:guide>
-        <p15:guide id="4294967295" orient="horz" pos="3696">
+        <p15:guide id="3" orient="horz" pos="3696">
           <p15:clr>
             <a:srgbClr val="F26B43"/>
           </p15:clr>
         </p15:guide>
-        <p15:guide id="4294967295" orient="horz" pos="432">
+        <p15:guide id="4" orient="horz" pos="432">
           <p15:clr>
             <a:srgbClr val="F26B43"/>
           </p15:clr>
         </p15:guide>
-        <p15:guide id="4294967295" orient="horz" pos="1512">
+        <p15:guide id="5" orient="horz" pos="1512">
           <p15:clr>
             <a:srgbClr val="F26B43"/>
           </p15:clr>
         </p15:guide>
-        <p15:guide id="4294967295" pos="6912">
+        <p15:guide id="6" pos="6912">
           <p15:clr>
             <a:srgbClr val="F26B43"/>
           </p15:clr>
         </p15:guide>
-        <p15:guide id="4294967295" pos="936">
+        <p15:guide id="7" pos="936">
           <p15:clr>
             <a:srgbClr val="F26B43"/>
           </p15:clr>
         </p15:guide>
-        <p15:guide id="4294967295" pos="864">
+        <p15:guide id="8" pos="864">
           <p15:clr>
             <a:srgbClr val="F26B43"/>
           </p15:clr>
@@ -3864,17 +3869,16 @@
           <a:lstStyle/>
           <a:p>
             <a:r>
-              <a:rPr lang="en-US" dirty="0" smtClean="0"/>
+              <a:rPr lang="en-US" dirty="0"/>
               <a:t>Homework 2</a:t>
             </a:r>
             <a:br>
-              <a:rPr lang="en-US" dirty="0" smtClean="0"/>
+              <a:rPr lang="en-US" dirty="0"/>
             </a:br>
             <a:r>
-              <a:rPr lang="en-US" dirty="0" smtClean="0"/>
+              <a:rPr lang="en-US" dirty="0"/>
               <a:t>Group 1</a:t>
             </a:r>
-            <a:endParaRPr lang="en-US" dirty="0"/>
           </a:p>
         </p:txBody>
       </p:sp>
@@ -3896,24 +3900,24 @@
           <a:lstStyle/>
           <a:p>
             <a:r>
-              <a:rPr lang="en-US" dirty="0" smtClean="0"/>
+              <a:rPr lang="en-US" dirty="0"/>
               <a:t>Ali Abbas</a:t>
             </a:r>
           </a:p>
           <a:p>
             <a:r>
-              <a:rPr lang="en-US" dirty="0" smtClean="0"/>
+              <a:rPr lang="en-US" dirty="0"/>
               <a:t>Ahsan </a:t>
             </a:r>
             <a:r>
-              <a:rPr lang="en-US" dirty="0" err="1" smtClean="0"/>
+              <a:rPr lang="en-US" dirty="0" err="1"/>
               <a:t>Sanaullah</a:t>
             </a:r>
-            <a:endParaRPr lang="en-US" dirty="0" smtClean="0"/>
-          </a:p>
-          <a:p>
-            <a:r>
-              <a:rPr lang="en-US" dirty="0" smtClean="0"/>
+            <a:endParaRPr lang="en-US" dirty="0"/>
+          </a:p>
+          <a:p>
+            <a:r>
+              <a:rPr lang="en-US" dirty="0"/>
               <a:t>Fernando Trevino Ramirez</a:t>
             </a:r>
           </a:p>
@@ -3965,10 +3969,9 @@
           <a:lstStyle/>
           <a:p>
             <a:r>
-              <a:rPr lang="en-US" dirty="0" smtClean="0"/>
+              <a:rPr lang="en-US" dirty="0"/>
               <a:t>Goal</a:t>
             </a:r>
-            <a:endParaRPr lang="en-US" dirty="0"/>
           </a:p>
         </p:txBody>
       </p:sp>
@@ -3993,18 +3996,9 @@
           <a:lstStyle/>
           <a:p>
             <a:r>
-              <a:rPr lang="en-US" dirty="0" smtClean="0"/>
-              <a:t>Explore </a:t>
-            </a:r>
-            <a:r>
               <a:rPr lang="en-US" dirty="0"/>
-              <a:t>how different representations on a Genetic Algorithm (GA) can affect its </a:t>
-            </a:r>
-            <a:r>
-              <a:rPr lang="en-US" dirty="0" smtClean="0"/>
-              <a:t>performance.</a:t>
-            </a:r>
-            <a:endParaRPr lang="en-US" dirty="0"/>
+              <a:t>Explore how different representations on a Genetic Algorithm (GA) can affect its performance.</a:t>
+            </a:r>
           </a:p>
         </p:txBody>
       </p:sp>
@@ -4050,10 +4044,9 @@
           </a:lstStyle>
           <a:p>
             <a:r>
-              <a:rPr lang="en-US" dirty="0" smtClean="0"/>
+              <a:rPr lang="en-US" dirty="0"/>
               <a:t>The Problem</a:t>
             </a:r>
-            <a:endParaRPr lang="en-US" dirty="0"/>
           </a:p>
         </p:txBody>
       </p:sp>
@@ -4271,7 +4264,7 @@
           </a:lstStyle>
           <a:p>
             <a:r>
-              <a:rPr lang="en-US" smtClean="0"/>
+              <a:rPr lang="en-US"/>
               <a:t>Traveling Salesman: An NP-Hard Problem [2].</a:t>
             </a:r>
           </a:p>
@@ -4281,10 +4274,10 @@
               <a:buNone/>
             </a:pPr>
             <a:r>
-              <a:rPr lang="en-US" smtClean="0"/>
+              <a:rPr lang="en-US"/>
               <a:t>Description: Given a number of cities, find the shortest path that goes through all the cities exactly one time and ends in the first city you chose.</a:t>
             </a:r>
-            <a:endParaRPr lang="en-US" dirty="0" smtClean="0"/>
+            <a:endParaRPr lang="en-US" dirty="0"/>
           </a:p>
         </p:txBody>
       </p:sp>
@@ -4339,10 +4332,9 @@
           <a:lstStyle/>
           <a:p>
             <a:r>
-              <a:rPr lang="en-US" dirty="0" smtClean="0"/>
+              <a:rPr lang="en-US" dirty="0"/>
               <a:t>Representations</a:t>
             </a:r>
-            <a:endParaRPr lang="en-US" dirty="0"/>
           </a:p>
         </p:txBody>
       </p:sp>
@@ -4370,11 +4362,7 @@
           <a:p>
             <a:r>
               <a:rPr lang="en-US" dirty="0"/>
-              <a:t>List </a:t>
-            </a:r>
-            <a:r>
-              <a:rPr lang="en-US" dirty="0" smtClean="0"/>
-              <a:t>Representation</a:t>
+              <a:t>List Representation</a:t>
             </a:r>
           </a:p>
           <a:p>
@@ -4382,18 +4370,13 @@
               <a:buNone/>
             </a:pPr>
             <a:r>
-              <a:rPr lang="en-US" dirty="0" smtClean="0"/>
-              <a:t>Simply list the path from start to finish. For </a:t>
-            </a:r>
-            <a:r>
               <a:rPr lang="en-US" dirty="0"/>
-              <a:t>Fig.1 would be [0, 3, 2, 1].</a:t>
-            </a:r>
-            <a:endParaRPr lang="en-US" dirty="0" smtClean="0"/>
-          </a:p>
-          <a:p>
-            <a:r>
-              <a:rPr lang="en-US" dirty="0" smtClean="0"/>
+              <a:t>Simply list the path from start to finish. For Fig.1 would be [0, 3, 2, 1].</a:t>
+            </a:r>
+          </a:p>
+          <a:p>
+            <a:r>
+              <a:rPr lang="en-US" dirty="0"/>
               <a:t>Ordinal Representation [3]</a:t>
             </a:r>
           </a:p>
@@ -4402,7 +4385,7 @@
               <a:buNone/>
             </a:pPr>
             <a:r>
-              <a:rPr lang="en-US" dirty="0" smtClean="0"/>
+              <a:rPr lang="en-US" dirty="0"/>
               <a:t>Is best to explain with an example of how to go from list -&gt; ordinal:</a:t>
             </a:r>
           </a:p>
@@ -4411,44 +4394,28 @@
               <a:buNone/>
             </a:pPr>
             <a:r>
-              <a:rPr lang="en-US" dirty="0" smtClean="0"/>
-              <a:t>“A” is the list representation we want to translate and “B” are the indexes of the array in order. </a:t>
-            </a:r>
-            <a:r>
               <a:rPr lang="en-US" dirty="0"/>
-              <a:t>Remove first city from A on both arrays after each </a:t>
-            </a:r>
-            <a:r>
-              <a:rPr lang="en-US" dirty="0" smtClean="0"/>
-              <a:t>step and write in the answer the index location of the element removed from B.</a:t>
+              <a:t>“A” is the list representation we want to translate and “B” are the indexes of the array in order. Remove first city from A on both arrays after each step and write in the answer the index location of the element removed from B.</a:t>
             </a:r>
             <a:br>
-              <a:rPr lang="en-US" dirty="0" smtClean="0"/>
+              <a:rPr lang="en-US" dirty="0"/>
             </a:br>
             <a:r>
-              <a:rPr lang="en-US" dirty="0" smtClean="0"/>
-              <a:t>A: [0</a:t>
-            </a:r>
-            <a:r>
               <a:rPr lang="en-US" dirty="0"/>
-              <a:t>, 3, 2, 1</a:t>
-            </a:r>
-            <a:r>
-              <a:rPr lang="en-US" dirty="0" smtClean="0"/>
-              <a:t>] -&gt; [3, 2, 1] -&gt; [2, 1] -&gt; [1] -&gt; []</a:t>
+              <a:t>A: [0, 3, 2, 1] -&gt; [3, 2, 1] -&gt; [2, 1] -&gt; [1] -&gt; []</a:t>
             </a:r>
             <a:br>
-              <a:rPr lang="en-US" dirty="0" smtClean="0"/>
+              <a:rPr lang="en-US" dirty="0"/>
             </a:br>
             <a:r>
-              <a:rPr lang="en-US" dirty="0" smtClean="0"/>
+              <a:rPr lang="en-US" dirty="0"/>
               <a:t>	0	2	   1	 0</a:t>
             </a:r>
             <a:br>
-              <a:rPr lang="en-US" dirty="0" smtClean="0"/>
+              <a:rPr lang="en-US" dirty="0"/>
             </a:br>
             <a:r>
-              <a:rPr lang="en-US" dirty="0" smtClean="0"/>
+              <a:rPr lang="en-US" dirty="0"/>
               <a:t>B: [0, 1, 2, 3] -&gt; [1, 2, 3] -&gt; [1, 2] -&gt; [1] -&gt; []</a:t>
             </a:r>
           </a:p>
@@ -4457,7 +4424,7 @@
               <a:buNone/>
             </a:pPr>
             <a:r>
-              <a:rPr lang="en-US" dirty="0" smtClean="0"/>
+              <a:rPr lang="en-US" dirty="0"/>
               <a:t>Answer: [0, 2, 1, 0]</a:t>
             </a:r>
           </a:p>
@@ -4554,10 +4521,9 @@
           <a:lstStyle/>
           <a:p>
             <a:r>
-              <a:rPr lang="en-US" dirty="0" smtClean="0"/>
+              <a:rPr lang="en-US" dirty="0"/>
               <a:t>Crossover</a:t>
             </a:r>
-            <a:endParaRPr lang="en-US" dirty="0"/>
           </a:p>
         </p:txBody>
       </p:sp>
@@ -4578,69 +4544,35 @@
           <a:p>
             <a:r>
               <a:rPr lang="en-US" dirty="0"/>
-              <a:t>List </a:t>
-            </a:r>
-            <a:r>
-              <a:rPr lang="en-US" dirty="0" smtClean="0"/>
-              <a:t>Representation</a:t>
+              <a:t>List Representation</a:t>
             </a:r>
           </a:p>
           <a:p>
             <a:pPr lvl="1"/>
             <a:r>
               <a:rPr lang="en-US" dirty="0"/>
-              <a:t>Order </a:t>
-            </a:r>
-            <a:r>
-              <a:rPr lang="en-US" dirty="0" smtClean="0"/>
-              <a:t>Crossover: the </a:t>
-            </a:r>
+              <a:t>Order Crossover: the order of a subset of cities of 1 parent is imposed on the other parent</a:t>
+            </a:r>
+          </a:p>
+          <a:p>
+            <a:pPr lvl="1"/>
             <a:r>
               <a:rPr lang="en-US" dirty="0"/>
-              <a:t>order of a subset of cities of 1 parent is imposed on the other parent</a:t>
-            </a:r>
-            <a:endParaRPr lang="en-US" dirty="0" smtClean="0"/>
+              <a:t>Genetic Edge Recombination: “tries to preserve the edges of parents” [3].  </a:t>
+            </a:r>
+          </a:p>
+          <a:p>
+            <a:r>
+              <a:rPr lang="en-US" dirty="0"/>
+              <a:t>Ordinal Representation </a:t>
+            </a:r>
           </a:p>
           <a:p>
             <a:pPr lvl="1"/>
             <a:r>
-              <a:rPr lang="en-US" dirty="0" smtClean="0"/>
-              <a:t>Genetic </a:t>
-            </a:r>
-            <a:r>
               <a:rPr lang="en-US" dirty="0"/>
-              <a:t>E</a:t>
-            </a:r>
-            <a:r>
-              <a:rPr lang="en-US" dirty="0" smtClean="0"/>
-              <a:t>dge Recombination: </a:t>
-            </a:r>
-            <a:r>
-              <a:rPr lang="en-US" dirty="0"/>
-              <a:t>“tries to preserve the edges of parents” [3]. </a:t>
-            </a:r>
-            <a:r>
-              <a:rPr lang="en-US" dirty="0" smtClean="0"/>
-              <a:t> </a:t>
-            </a:r>
-          </a:p>
-          <a:p>
-            <a:r>
-              <a:rPr lang="en-US" dirty="0"/>
-              <a:t>Ordinal </a:t>
-            </a:r>
-            <a:r>
-              <a:rPr lang="en-US" dirty="0" smtClean="0"/>
-              <a:t>Representation </a:t>
-            </a:r>
-          </a:p>
-          <a:p>
-            <a:pPr lvl="1"/>
-            <a:r>
-              <a:rPr lang="en-US" dirty="0" smtClean="0"/>
-              <a:t>One point</a:t>
-            </a:r>
-            <a:endParaRPr lang="en-US" dirty="0"/>
+              <a:t>One Point</a:t>
+            </a:r>
           </a:p>
         </p:txBody>
       </p:sp>
@@ -4690,15 +4622,14 @@
           <a:lstStyle/>
           <a:p>
             <a:r>
-              <a:rPr lang="en-US" dirty="0" smtClean="0"/>
+              <a:rPr lang="en-US" dirty="0"/>
               <a:t>Mutation</a:t>
             </a:r>
-            <a:endParaRPr lang="en-US" dirty="0"/>
-          </a:p>
-        </p:txBody>
-      </p:sp>
-      <mc:AlternateContent xmlns:mc="http://schemas.openxmlformats.org/markup-compatibility/2006">
-        <mc:Choice xmlns:a14="http://schemas.microsoft.com/office/drawing/2010/main" Requires="a14">
+          </a:p>
+        </p:txBody>
+      </p:sp>
+      <mc:AlternateContent xmlns:mc="http://schemas.openxmlformats.org/markup-compatibility/2006" xmlns:a14="http://schemas.microsoft.com/office/drawing/2010/main">
+        <mc:Choice Requires="a14">
           <p:sp>
             <p:nvSpPr>
               <p:cNvPr id="3" name="Content Placeholder 2"/>
@@ -4723,32 +4654,15 @@
               <a:p>
                 <a:r>
                   <a:rPr lang="en-US" dirty="0"/>
-                  <a:t>List </a:t>
-                </a:r>
-                <a:r>
-                  <a:rPr lang="en-US" dirty="0" smtClean="0"/>
-                  <a:t>Representation</a:t>
+                  <a:t>List Representation</a:t>
                 </a:r>
               </a:p>
               <a:p>
                 <a:pPr lvl="1"/>
                 <a:r>
                   <a:rPr lang="en-US" dirty="0"/>
-                  <a:t>One city </a:t>
+                  <a:t>One city Insertion: takes a random city and moves it to a random position in the path.</a:t>
                 </a:r>
-                <a:r>
-                  <a:rPr lang="en-US" dirty="0" smtClean="0"/>
-                  <a:t>Insertion: </a:t>
-                </a:r>
-                <a:r>
-                  <a:rPr lang="en-US" dirty="0"/>
-                  <a:t>takes a random city and moves it to a random position in the </a:t>
-                </a:r>
-                <a:r>
-                  <a:rPr lang="en-US" dirty="0" smtClean="0"/>
-                  <a:t>path.</a:t>
-                </a:r>
-                <a:endParaRPr lang="en-US" dirty="0"/>
               </a:p>
               <a:p>
                 <a:pPr marL="530352" lvl="1" indent="0">
@@ -4756,31 +4670,14 @@
                 </a:pPr>
                 <a:r>
                   <a:rPr lang="en-US" dirty="0"/>
-                  <a:t> [0,1,2,3] -&gt; [0,2,1,3</a:t>
+                  <a:t> [0,1,2,3] -&gt; [0,2,1,3]				[0,1,2,3] -&gt; [0,2,3,1] </a:t>
                 </a:r>
-                <a:r>
-                  <a:rPr lang="en-US" dirty="0" smtClean="0"/>
-                  <a:t>]				[</a:t>
-                </a:r>
-                <a:r>
-                  <a:rPr lang="en-US" dirty="0"/>
-                  <a:t>0,1,2,3] -&gt; [0,2,3,1] </a:t>
-                </a:r>
-                <a:endParaRPr lang="en-US" dirty="0" smtClean="0"/>
               </a:p>
               <a:p>
                 <a:pPr lvl="1"/>
                 <a:r>
-                  <a:rPr lang="en-US" dirty="0" smtClean="0"/>
-                  <a:t>Displacement or N consecutive cities Insertion: takes </a:t>
-                </a:r>
-                <a:r>
                   <a:rPr lang="en-US" dirty="0"/>
-                  <a:t>a random sized windows and moves it to another random </a:t>
-                </a:r>
-                <a:r>
-                  <a:rPr lang="en-US" dirty="0" smtClean="0"/>
-                  <a:t>position.</a:t>
+                  <a:t>Displacement or N consecutive cities Insertion: takes a random sized windows and moves it to another random position.</a:t>
                 </a:r>
               </a:p>
               <a:p>
@@ -4788,51 +4685,28 @@
                   <a:buNone/>
                 </a:pPr>
                 <a:r>
-                  <a:rPr lang="en-US" dirty="0" smtClean="0"/>
-                  <a:t>[0,1,2,3] -&gt; [0,3,1,2]					[</a:t>
+                  <a:rPr lang="en-US" dirty="0"/>
+                  <a:t>[0,1,2,3] -&gt; [0,3,1,2]					[0,1,2,3] -&gt; [3,0,1,2] </a:t>
                 </a:r>
-                <a:r>
-                  <a:rPr lang="en-US" dirty="0"/>
-                  <a:t>0,1,2,3] -&gt; </a:t>
-                </a:r>
-                <a:r>
-                  <a:rPr lang="en-US" dirty="0" smtClean="0"/>
-                  <a:t>[</a:t>
-                </a:r>
-                <a:r>
-                  <a:rPr lang="en-US" dirty="0"/>
-                  <a:t>3</a:t>
-                </a:r>
-                <a:r>
-                  <a:rPr lang="en-US" dirty="0" smtClean="0"/>
-                  <a:t>,0,1,2</a:t>
-                </a:r>
-                <a:r>
-                  <a:rPr lang="en-US" dirty="0"/>
-                  <a:t>] </a:t>
-                </a:r>
-                <a:endParaRPr lang="en-US" dirty="0" smtClean="0"/>
               </a:p>
               <a:p>
                 <a:r>
-                  <a:rPr lang="en-US" dirty="0" smtClean="0"/>
+                  <a:rPr lang="en-US" dirty="0"/>
                   <a:t>Ordinal Representation</a:t>
                 </a:r>
               </a:p>
               <a:p>
                 <a:pPr lvl="1"/>
                 <a:r>
-                  <a:rPr lang="en-US" dirty="0" smtClean="0"/>
-                  <a:t>Single Index Mutation: a </a:t>
-                </a:r>
-                <a:r>
                   <a:rPr lang="en-US" dirty="0"/>
-                  <a:t>random index </a:t>
+                  <a:t>Single Index Mutation: a random index </a:t>
                 </a:r>
                 <a14:m>
                   <m:oMath xmlns:m="http://schemas.openxmlformats.org/officeDocument/2006/math">
                     <m:r>
-                      <a:rPr lang="en-US"/>
+                      <a:rPr lang="en-US">
+                        <a:latin typeface="Cambria Math" panose="02040503050406030204" pitchFamily="18" charset="0"/>
+                      </a:rPr>
                       <m:t>𝑖</m:t>
                     </m:r>
                   </m:oMath>
@@ -4844,23 +4718,33 @@
                 <a14:m>
                   <m:oMath xmlns:m="http://schemas.openxmlformats.org/officeDocument/2006/math">
                     <m:r>
-                      <a:rPr lang="en-US"/>
+                      <a:rPr lang="en-US">
+                        <a:latin typeface="Cambria Math" panose="02040503050406030204" pitchFamily="18" charset="0"/>
+                      </a:rPr>
                       <m:t>[0,</m:t>
                     </m:r>
                     <m:r>
-                      <a:rPr lang="en-US"/>
+                      <a:rPr lang="en-US">
+                        <a:latin typeface="Cambria Math" panose="02040503050406030204" pitchFamily="18" charset="0"/>
+                      </a:rPr>
                       <m:t>𝑛</m:t>
                     </m:r>
                     <m:r>
-                      <a:rPr lang="en-US"/>
+                      <a:rPr lang="en-US">
+                        <a:latin typeface="Cambria Math" panose="02040503050406030204" pitchFamily="18" charset="0"/>
+                      </a:rPr>
                       <m:t>−</m:t>
                     </m:r>
                     <m:r>
-                      <a:rPr lang="en-US"/>
+                      <a:rPr lang="en-US">
+                        <a:latin typeface="Cambria Math" panose="02040503050406030204" pitchFamily="18" charset="0"/>
+                      </a:rPr>
                       <m:t>𝑖</m:t>
                     </m:r>
                     <m:r>
-                      <a:rPr lang="en-US"/>
+                      <a:rPr lang="en-US">
+                        <a:latin typeface="Cambria Math" panose="02040503050406030204" pitchFamily="18" charset="0"/>
+                      </a:rPr>
                       <m:t>−1]</m:t>
                     </m:r>
                   </m:oMath>
@@ -4872,7 +4756,9 @@
                 <a14:m>
                   <m:oMath xmlns:m="http://schemas.openxmlformats.org/officeDocument/2006/math">
                     <m:r>
-                      <a:rPr lang="en-US"/>
+                      <a:rPr lang="en-US">
+                        <a:latin typeface="Cambria Math" panose="02040503050406030204" pitchFamily="18" charset="0"/>
+                      </a:rPr>
                       <m:t>𝑛</m:t>
                     </m:r>
                   </m:oMath>
@@ -4884,7 +4770,9 @@
                 <a14:m>
                   <m:oMath xmlns:m="http://schemas.openxmlformats.org/officeDocument/2006/math">
                     <m:r>
-                      <a:rPr lang="en-US"/>
+                      <a:rPr lang="en-US">
+                        <a:latin typeface="Cambria Math" panose="02040503050406030204" pitchFamily="18" charset="0"/>
+                      </a:rPr>
                       <m:t>𝑖</m:t>
                     </m:r>
                   </m:oMath>
@@ -4893,12 +4781,11 @@
                   <a:rPr lang="en-US" dirty="0"/>
                   <a:t> in the ordinal representation. This always results in a valid representation.</a:t>
                 </a:r>
-                <a:endParaRPr lang="en-US" dirty="0"/>
               </a:p>
             </p:txBody>
           </p:sp>
         </mc:Choice>
-        <mc:Fallback>
+        <mc:Fallback xmlns="">
           <p:sp>
             <p:nvSpPr>
               <p:cNvPr id="3" name="Content Placeholder 2"/>
@@ -4982,10 +4869,9 @@
           <a:lstStyle/>
           <a:p>
             <a:r>
-              <a:rPr lang="en-US" dirty="0" smtClean="0"/>
+              <a:rPr lang="en-US" dirty="0"/>
               <a:t>Experiment</a:t>
             </a:r>
-            <a:endParaRPr lang="en-US" dirty="0"/>
           </a:p>
         </p:txBody>
       </p:sp>
@@ -5054,10 +4940,9 @@
           <a:lstStyle/>
           <a:p>
             <a:r>
-              <a:rPr lang="en-US" dirty="0" smtClean="0"/>
+              <a:rPr lang="en-US" dirty="0"/>
               <a:t>Results</a:t>
             </a:r>
-            <a:endParaRPr lang="en-US" dirty="0"/>
           </a:p>
         </p:txBody>
       </p:sp>
@@ -5126,10 +5011,9 @@
           <a:lstStyle/>
           <a:p>
             <a:r>
-              <a:rPr lang="en-US" dirty="0" smtClean="0"/>
+              <a:rPr lang="en-US" dirty="0"/>
               <a:t>References</a:t>
             </a:r>
-            <a:endParaRPr lang="en-US" dirty="0"/>
           </a:p>
         </p:txBody>
       </p:sp>

--- a/Presentation_Homework_2.pptx
+++ b/Presentation_Homework_2.pptx
@@ -111,6 +111,11 @@
       </a:defRPr>
     </a:lvl9pPr>
   </p:defaultTextStyle>
+  <p:extLst>
+    <p:ext uri="{EFAFB233-063F-42B5-8137-9DF3F51BA10A}">
+      <p15:sldGuideLst xmlns:p15="http://schemas.microsoft.com/office/powerpoint/2012/main"/>
+    </p:ext>
+  </p:extLst>
 </p:presentation>
 </file>
 
@@ -3785,42 +3790,42 @@
   <p:extLst mod="1">
     <p:ext uri="{27BBF7A9-308A-43DC-89C8-2F10F3537804}">
       <p15:sldGuideLst xmlns:p15="http://schemas.microsoft.com/office/powerpoint/2012/main">
-        <p15:guide id="4294967295" orient="horz" pos="1368">
+        <p15:guide id="1" orient="horz" pos="1368">
           <p15:clr>
             <a:srgbClr val="F26B43"/>
           </p15:clr>
         </p15:guide>
-        <p15:guide id="4294967295" orient="horz" pos="1440">
+        <p15:guide id="2" orient="horz" pos="1440">
           <p15:clr>
             <a:srgbClr val="F26B43"/>
           </p15:clr>
         </p15:guide>
-        <p15:guide id="4294967295" orient="horz" pos="3696">
+        <p15:guide id="3" orient="horz" pos="3696">
           <p15:clr>
             <a:srgbClr val="F26B43"/>
           </p15:clr>
         </p15:guide>
-        <p15:guide id="4294967295" orient="horz" pos="432">
+        <p15:guide id="4" orient="horz" pos="432">
           <p15:clr>
             <a:srgbClr val="F26B43"/>
           </p15:clr>
         </p15:guide>
-        <p15:guide id="4294967295" orient="horz" pos="1512">
+        <p15:guide id="5" orient="horz" pos="1512">
           <p15:clr>
             <a:srgbClr val="F26B43"/>
           </p15:clr>
         </p15:guide>
-        <p15:guide id="4294967295" pos="6912">
+        <p15:guide id="6" pos="6912">
           <p15:clr>
             <a:srgbClr val="F26B43"/>
           </p15:clr>
         </p15:guide>
-        <p15:guide id="4294967295" pos="936">
+        <p15:guide id="7" pos="936">
           <p15:clr>
             <a:srgbClr val="F26B43"/>
           </p15:clr>
         </p15:guide>
-        <p15:guide id="4294967295" pos="864">
+        <p15:guide id="8" pos="864">
           <p15:clr>
             <a:srgbClr val="F26B43"/>
           </p15:clr>
@@ -4697,8 +4702,8 @@
           </a:p>
         </p:txBody>
       </p:sp>
-      <mc:AlternateContent xmlns:mc="http://schemas.openxmlformats.org/markup-compatibility/2006">
-        <mc:Choice xmlns:a14="http://schemas.microsoft.com/office/drawing/2010/main" Requires="a14">
+      <mc:AlternateContent xmlns:mc="http://schemas.openxmlformats.org/markup-compatibility/2006" xmlns:a14="http://schemas.microsoft.com/office/drawing/2010/main">
+        <mc:Choice Requires="a14">
           <p:sp>
             <p:nvSpPr>
               <p:cNvPr id="3" name="Content Placeholder 2"/>
@@ -4832,7 +4837,9 @@
                 <a14:m>
                   <m:oMath xmlns:m="http://schemas.openxmlformats.org/officeDocument/2006/math">
                     <m:r>
-                      <a:rPr lang="en-US"/>
+                      <a:rPr lang="en-US">
+                        <a:latin typeface="Cambria Math" panose="02040503050406030204" pitchFamily="18" charset="0"/>
+                      </a:rPr>
                       <m:t>𝑖</m:t>
                     </m:r>
                   </m:oMath>
@@ -4844,23 +4851,33 @@
                 <a14:m>
                   <m:oMath xmlns:m="http://schemas.openxmlformats.org/officeDocument/2006/math">
                     <m:r>
-                      <a:rPr lang="en-US"/>
+                      <a:rPr lang="en-US">
+                        <a:latin typeface="Cambria Math" panose="02040503050406030204" pitchFamily="18" charset="0"/>
+                      </a:rPr>
                       <m:t>[0,</m:t>
                     </m:r>
                     <m:r>
-                      <a:rPr lang="en-US"/>
+                      <a:rPr lang="en-US">
+                        <a:latin typeface="Cambria Math" panose="02040503050406030204" pitchFamily="18" charset="0"/>
+                      </a:rPr>
                       <m:t>𝑛</m:t>
                     </m:r>
                     <m:r>
-                      <a:rPr lang="en-US"/>
+                      <a:rPr lang="en-US">
+                        <a:latin typeface="Cambria Math" panose="02040503050406030204" pitchFamily="18" charset="0"/>
+                      </a:rPr>
                       <m:t>−</m:t>
                     </m:r>
                     <m:r>
-                      <a:rPr lang="en-US"/>
+                      <a:rPr lang="en-US">
+                        <a:latin typeface="Cambria Math" panose="02040503050406030204" pitchFamily="18" charset="0"/>
+                      </a:rPr>
                       <m:t>𝑖</m:t>
                     </m:r>
                     <m:r>
-                      <a:rPr lang="en-US"/>
+                      <a:rPr lang="en-US">
+                        <a:latin typeface="Cambria Math" panose="02040503050406030204" pitchFamily="18" charset="0"/>
+                      </a:rPr>
                       <m:t>−1]</m:t>
                     </m:r>
                   </m:oMath>
@@ -4872,7 +4889,9 @@
                 <a14:m>
                   <m:oMath xmlns:m="http://schemas.openxmlformats.org/officeDocument/2006/math">
                     <m:r>
-                      <a:rPr lang="en-US"/>
+                      <a:rPr lang="en-US">
+                        <a:latin typeface="Cambria Math" panose="02040503050406030204" pitchFamily="18" charset="0"/>
+                      </a:rPr>
                       <m:t>𝑛</m:t>
                     </m:r>
                   </m:oMath>
@@ -4884,7 +4903,9 @@
                 <a14:m>
                   <m:oMath xmlns:m="http://schemas.openxmlformats.org/officeDocument/2006/math">
                     <m:r>
-                      <a:rPr lang="en-US"/>
+                      <a:rPr lang="en-US">
+                        <a:latin typeface="Cambria Math" panose="02040503050406030204" pitchFamily="18" charset="0"/>
+                      </a:rPr>
                       <m:t>𝑖</m:t>
                     </m:r>
                   </m:oMath>
@@ -4893,12 +4914,11 @@
                   <a:rPr lang="en-US" dirty="0"/>
                   <a:t> in the ordinal representation. This always results in a valid representation.</a:t>
                 </a:r>
-                <a:endParaRPr lang="en-US" dirty="0"/>
               </a:p>
             </p:txBody>
           </p:sp>
         </mc:Choice>
-        <mc:Fallback>
+        <mc:Fallback xmlns="">
           <p:sp>
             <p:nvSpPr>
               <p:cNvPr id="3" name="Content Placeholder 2"/>

--- a/Presentation_Homework_2.pptx
+++ b/Presentation_Homework_2.pptx
@@ -5011,23 +5011,92 @@
       </p:sp>
       <p:sp>
         <p:nvSpPr>
-          <p:cNvPr id="3" name="Content Placeholder 2"/>
-          <p:cNvSpPr>
-            <a:spLocks noGrp="1"/>
-          </p:cNvSpPr>
-          <p:nvPr>
-            <p:ph idx="1"/>
-          </p:nvPr>
-        </p:nvSpPr>
-        <p:spPr/>
-        <p:txBody>
-          <a:bodyPr/>
+          <p:cNvPr id="4" name="TextBox 3"/>
+          <p:cNvSpPr txBox="1"/>
+          <p:nvPr/>
+        </p:nvSpPr>
+        <p:spPr>
+          <a:xfrm>
+            <a:off x="1543050" y="1433036"/>
+            <a:ext cx="9258300" cy="1477328"/>
+          </a:xfrm>
+          <a:prstGeom prst="rect">
+            <a:avLst/>
+          </a:prstGeom>
+          <a:noFill/>
+        </p:spPr>
+        <p:txBody>
+          <a:bodyPr wrap="square" rtlCol="0">
+            <a:spAutoFit/>
+          </a:bodyPr>
           <a:lstStyle/>
           <a:p>
+            <a:r>
+              <a:rPr lang="en-US" dirty="0" smtClean="0"/>
+              <a:t>The best parameter we found included: </a:t>
+            </a:r>
+          </a:p>
+          <a:p>
+            <a:r>
+              <a:rPr lang="en-US" dirty="0" smtClean="0"/>
+              <a:t>For Berlin </a:t>
+            </a:r>
+            <a:r>
+              <a:rPr lang="en-US" dirty="0"/>
+              <a:t>52 we used a population size of 2000 with 200 generations over 50 runs. </a:t>
+            </a:r>
+            <a:endParaRPr lang="en-US" dirty="0" smtClean="0"/>
+          </a:p>
+          <a:p>
+            <a:r>
+              <a:rPr lang="en-US" dirty="0" smtClean="0"/>
+              <a:t>And </a:t>
+            </a:r>
+            <a:r>
+              <a:rPr lang="en-US" dirty="0"/>
+              <a:t>for rl1323 we had to reduce the population size to 500, but increased to 500 generations, and did 50 runs. </a:t>
+            </a:r>
+          </a:p>
+          <a:p>
             <a:endParaRPr lang="en-US" dirty="0"/>
           </a:p>
         </p:txBody>
       </p:sp>
+      <p:pic>
+        <p:nvPicPr>
+          <p:cNvPr id="5" name="Picture 4"/>
+          <p:cNvPicPr/>
+          <p:nvPr/>
+        </p:nvPicPr>
+        <p:blipFill rotWithShape="1">
+          <a:blip r:embed="rId2" cstate="print">
+            <a:extLst>
+              <a:ext uri="{28A0092B-C50C-407E-A947-70E740481C1C}">
+                <a14:useLocalDpi xmlns:a14="http://schemas.microsoft.com/office/drawing/2010/main" val="0"/>
+              </a:ext>
+            </a:extLst>
+          </a:blip>
+          <a:srcRect l="12801" t="12828" r="13108" b="10202"/>
+          <a:stretch/>
+        </p:blipFill>
+        <p:spPr bwMode="auto">
+          <a:xfrm>
+            <a:off x="2848927" y="2910364"/>
+            <a:ext cx="6282373" cy="3699192"/>
+          </a:xfrm>
+          <a:prstGeom prst="rect">
+            <a:avLst/>
+          </a:prstGeom>
+          <a:ln>
+            <a:noFill/>
+          </a:ln>
+          <a:extLst>
+            <a:ext uri="{53640926-AAD7-44D8-BBD7-CCE9431645EC}">
+              <a14:shadowObscured xmlns:a14="http://schemas.microsoft.com/office/drawing/2010/main"/>
+            </a:ext>
+          </a:extLst>
+        </p:spPr>
+      </p:pic>
     </p:spTree>
     <p:extLst>
       <p:ext uri="{BB962C8B-B14F-4D97-AF65-F5344CB8AC3E}">
@@ -5068,7 +5137,12 @@
             <p:ph type="title"/>
           </p:nvPr>
         </p:nvSpPr>
-        <p:spPr/>
+        <p:spPr>
+          <a:xfrm>
+            <a:off x="1371600" y="685800"/>
+            <a:ext cx="9601200" cy="774700"/>
+          </a:xfrm>
+        </p:spPr>
         <p:txBody>
           <a:bodyPr/>
           <a:lstStyle/>
@@ -5081,22 +5155,175 @@
           </a:p>
         </p:txBody>
       </p:sp>
-      <p:sp>
-        <p:nvSpPr>
-          <p:cNvPr id="3" name="Content Placeholder 2"/>
-          <p:cNvSpPr>
-            <a:spLocks noGrp="1"/>
-          </p:cNvSpPr>
-          <p:nvPr>
-            <p:ph idx="1"/>
-          </p:nvPr>
-        </p:nvSpPr>
-        <p:spPr/>
-        <p:txBody>
-          <a:bodyPr/>
+      <p:pic>
+        <p:nvPicPr>
+          <p:cNvPr id="4" name="Picture 3"/>
+          <p:cNvPicPr/>
+          <p:nvPr/>
+        </p:nvPicPr>
+        <p:blipFill rotWithShape="1">
+          <a:blip r:embed="rId2" cstate="print">
+            <a:extLst>
+              <a:ext uri="{28A0092B-C50C-407E-A947-70E740481C1C}">
+                <a14:useLocalDpi xmlns:a14="http://schemas.microsoft.com/office/drawing/2010/main" val="0"/>
+              </a:ext>
+            </a:extLst>
+          </a:blip>
+          <a:srcRect l="15042" t="17850" r="15155" b="8406"/>
+          <a:stretch/>
+        </p:blipFill>
+        <p:spPr bwMode="auto">
+          <a:xfrm>
+            <a:off x="279400" y="3327400"/>
+            <a:ext cx="5854700" cy="3428999"/>
+          </a:xfrm>
+          <a:prstGeom prst="rect">
+            <a:avLst/>
+          </a:prstGeom>
+          <a:ln>
+            <a:noFill/>
+          </a:ln>
+          <a:extLst>
+            <a:ext uri="{53640926-AAD7-44D8-BBD7-CCE9431645EC}">
+              <a14:shadowObscured xmlns:a14="http://schemas.microsoft.com/office/drawing/2010/main"/>
+            </a:ext>
+          </a:extLst>
+        </p:spPr>
+      </p:pic>
+      <p:pic>
+        <p:nvPicPr>
+          <p:cNvPr id="5" name="Picture 4"/>
+          <p:cNvPicPr/>
+          <p:nvPr/>
+        </p:nvPicPr>
+        <p:blipFill rotWithShape="1">
+          <a:blip r:embed="rId3" cstate="print">
+            <a:extLst>
+              <a:ext uri="{28A0092B-C50C-407E-A947-70E740481C1C}">
+                <a14:useLocalDpi xmlns:a14="http://schemas.microsoft.com/office/drawing/2010/main" val="0"/>
+              </a:ext>
+            </a:extLst>
+          </a:blip>
+          <a:srcRect l="14927" t="17850" r="15155" b="8619"/>
+          <a:stretch/>
+        </p:blipFill>
+        <p:spPr bwMode="auto">
+          <a:xfrm>
+            <a:off x="6362700" y="3327400"/>
+            <a:ext cx="5537200" cy="3428999"/>
+          </a:xfrm>
+          <a:prstGeom prst="rect">
+            <a:avLst/>
+          </a:prstGeom>
+          <a:ln>
+            <a:noFill/>
+          </a:ln>
+          <a:extLst>
+            <a:ext uri="{53640926-AAD7-44D8-BBD7-CCE9431645EC}">
+              <a14:shadowObscured xmlns:a14="http://schemas.microsoft.com/office/drawing/2010/main"/>
+            </a:ext>
+          </a:extLst>
+        </p:spPr>
+      </p:pic>
+      <p:sp>
+        <p:nvSpPr>
+          <p:cNvPr id="6" name="Rectangle 5"/>
+          <p:cNvSpPr/>
+          <p:nvPr/>
+        </p:nvSpPr>
+        <p:spPr>
+          <a:xfrm>
+            <a:off x="990600" y="1346201"/>
+            <a:ext cx="10299700" cy="1870512"/>
+          </a:xfrm>
+          <a:prstGeom prst="rect">
+            <a:avLst/>
+          </a:prstGeom>
+        </p:spPr>
+        <p:txBody>
+          <a:bodyPr wrap="square">
+            <a:spAutoFit/>
+          </a:bodyPr>
           <a:lstStyle/>
           <a:p>
-            <a:endParaRPr lang="en-US" dirty="0"/>
+            <a:pPr>
+              <a:lnSpc>
+                <a:spcPct val="107000"/>
+              </a:lnSpc>
+              <a:spcAft>
+                <a:spcPts val="800"/>
+              </a:spcAft>
+            </a:pPr>
+            <a:r>
+              <a:rPr lang="en-US" dirty="0" smtClean="0">
+                <a:latin typeface="Calibri" panose="020F0502020204030204" pitchFamily="34" charset="0"/>
+                <a:ea typeface="Calibri" panose="020F0502020204030204" pitchFamily="34" charset="0"/>
+                <a:cs typeface="Times New Roman" panose="02020603050405020304" pitchFamily="18" charset="0"/>
+              </a:rPr>
+              <a:t>Performance depended </a:t>
+            </a:r>
+            <a:r>
+              <a:rPr lang="en-US" dirty="0">
+                <a:latin typeface="Calibri" panose="020F0502020204030204" pitchFamily="34" charset="0"/>
+                <a:ea typeface="Calibri" panose="020F0502020204030204" pitchFamily="34" charset="0"/>
+                <a:cs typeface="Times New Roman" panose="02020603050405020304" pitchFamily="18" charset="0"/>
+              </a:rPr>
+              <a:t>on the input cities provided, different inputs will need different parameters and may </a:t>
+            </a:r>
+            <a:r>
+              <a:rPr lang="en-US" dirty="0" smtClean="0">
+                <a:latin typeface="Calibri" panose="020F0502020204030204" pitchFamily="34" charset="0"/>
+                <a:ea typeface="Calibri" panose="020F0502020204030204" pitchFamily="34" charset="0"/>
+                <a:cs typeface="Times New Roman" panose="02020603050405020304" pitchFamily="18" charset="0"/>
+              </a:rPr>
+              <a:t>perform </a:t>
+            </a:r>
+            <a:r>
+              <a:rPr lang="en-US" dirty="0">
+                <a:latin typeface="Calibri" panose="020F0502020204030204" pitchFamily="34" charset="0"/>
+                <a:ea typeface="Calibri" panose="020F0502020204030204" pitchFamily="34" charset="0"/>
+                <a:cs typeface="Times New Roman" panose="02020603050405020304" pitchFamily="18" charset="0"/>
+              </a:rPr>
+              <a:t>better with different problem representations. In general the path representation with genetic edge recombination and insertion mutation is a good genetic algorithm for medium sized </a:t>
+            </a:r>
+            <a:r>
+              <a:rPr lang="en-US" dirty="0" smtClean="0">
+                <a:latin typeface="Calibri" panose="020F0502020204030204" pitchFamily="34" charset="0"/>
+                <a:ea typeface="Calibri" panose="020F0502020204030204" pitchFamily="34" charset="0"/>
+                <a:cs typeface="Times New Roman" panose="02020603050405020304" pitchFamily="18" charset="0"/>
+              </a:rPr>
+              <a:t>TSP. </a:t>
+            </a:r>
+            <a:r>
+              <a:rPr lang="en-US" dirty="0">
+                <a:latin typeface="Calibri" panose="020F0502020204030204" pitchFamily="34" charset="0"/>
+                <a:ea typeface="Calibri" panose="020F0502020204030204" pitchFamily="34" charset="0"/>
+                <a:cs typeface="Times New Roman" panose="02020603050405020304" pitchFamily="18" charset="0"/>
+              </a:rPr>
+              <a:t>A GA with an extremely small population and many generations may perform well on problems with a large amount of cities. The ordinal representation searches the search space almost randomly, however, the GA proves it is not fully random. </a:t>
+            </a:r>
+            <a:r>
+              <a:rPr lang="en-US" dirty="0" smtClean="0">
+                <a:latin typeface="Calibri" panose="020F0502020204030204" pitchFamily="34" charset="0"/>
+                <a:ea typeface="Calibri" panose="020F0502020204030204" pitchFamily="34" charset="0"/>
+                <a:cs typeface="Times New Roman" panose="02020603050405020304" pitchFamily="18" charset="0"/>
+              </a:rPr>
+              <a:t>Furthermore</a:t>
+            </a:r>
+            <a:r>
+              <a:rPr lang="en-US" dirty="0">
+                <a:latin typeface="Calibri" panose="020F0502020204030204" pitchFamily="34" charset="0"/>
+                <a:ea typeface="Calibri" panose="020F0502020204030204" pitchFamily="34" charset="0"/>
+                <a:cs typeface="Times New Roman" panose="02020603050405020304" pitchFamily="18" charset="0"/>
+              </a:rPr>
+              <a:t>, the parameters and representation may need tuning to the specific input.</a:t>
+            </a:r>
+            <a:endParaRPr lang="en-US" dirty="0">
+              <a:effectLst/>
+              <a:latin typeface="Calibri" panose="020F0502020204030204" pitchFamily="34" charset="0"/>
+              <a:ea typeface="Calibri" panose="020F0502020204030204" pitchFamily="34" charset="0"/>
+              <a:cs typeface="Times New Roman" panose="02020603050405020304" pitchFamily="18" charset="0"/>
+            </a:endParaRPr>
           </a:p>
         </p:txBody>
       </p:sp>

--- a/Presentation_Homework_2.pptx
+++ b/Presentation_Homework_2.pptx
@@ -12,7 +12,10 @@
     <p:sldId id="261" r:id="rId6"/>
     <p:sldId id="262" r:id="rId7"/>
     <p:sldId id="263" r:id="rId8"/>
-    <p:sldId id="264" r:id="rId9"/>
+    <p:sldId id="265" r:id="rId9"/>
+    <p:sldId id="266" r:id="rId10"/>
+    <p:sldId id="267" r:id="rId11"/>
+    <p:sldId id="264" r:id="rId12"/>
   </p:sldIdLst>
   <p:sldSz cx="12192000" cy="6858000"/>
   <p:notesSz cx="6858000" cy="9144000"/>
@@ -288,7 +291,7 @@
           <a:p>
             <a:fld id="{646869EA-C98A-4D97-B682-A934C44B0CC9}" type="datetimeFigureOut">
               <a:rPr lang="en-US" smtClean="0"/>
-              <a:t>2/25/2020</a:t>
+              <a:t>2/26/2020</a:t>
             </a:fld>
             <a:endParaRPr lang="en-US"/>
           </a:p>
@@ -618,7 +621,7 @@
           <a:p>
             <a:fld id="{646869EA-C98A-4D97-B682-A934C44B0CC9}" type="datetimeFigureOut">
               <a:rPr lang="en-US" smtClean="0"/>
-              <a:t>2/25/2020</a:t>
+              <a:t>2/26/2020</a:t>
             </a:fld>
             <a:endParaRPr lang="en-US"/>
           </a:p>
@@ -798,7 +801,7 @@
           <a:p>
             <a:fld id="{646869EA-C98A-4D97-B682-A934C44B0CC9}" type="datetimeFigureOut">
               <a:rPr lang="en-US" smtClean="0"/>
-              <a:t>2/25/2020</a:t>
+              <a:t>2/26/2020</a:t>
             </a:fld>
             <a:endParaRPr lang="en-US"/>
           </a:p>
@@ -968,7 +971,7 @@
           <a:p>
             <a:fld id="{646869EA-C98A-4D97-B682-A934C44B0CC9}" type="datetimeFigureOut">
               <a:rPr lang="en-US" smtClean="0"/>
-              <a:t>2/25/2020</a:t>
+              <a:t>2/26/2020</a:t>
             </a:fld>
             <a:endParaRPr lang="en-US"/>
           </a:p>
@@ -1245,7 +1248,7 @@
           <a:p>
             <a:fld id="{646869EA-C98A-4D97-B682-A934C44B0CC9}" type="datetimeFigureOut">
               <a:rPr lang="en-US" smtClean="0"/>
-              <a:t>2/25/2020</a:t>
+              <a:t>2/26/2020</a:t>
             </a:fld>
             <a:endParaRPr lang="en-US"/>
           </a:p>
@@ -1639,7 +1642,7 @@
           <a:p>
             <a:fld id="{646869EA-C98A-4D97-B682-A934C44B0CC9}" type="datetimeFigureOut">
               <a:rPr lang="en-US" smtClean="0"/>
-              <a:t>2/25/2020</a:t>
+              <a:t>2/26/2020</a:t>
             </a:fld>
             <a:endParaRPr lang="en-US"/>
           </a:p>
@@ -2116,7 +2119,7 @@
           <a:p>
             <a:fld id="{646869EA-C98A-4D97-B682-A934C44B0CC9}" type="datetimeFigureOut">
               <a:rPr lang="en-US" smtClean="0"/>
-              <a:t>2/25/2020</a:t>
+              <a:t>2/26/2020</a:t>
             </a:fld>
             <a:endParaRPr lang="en-US"/>
           </a:p>
@@ -2234,7 +2237,7 @@
           <a:p>
             <a:fld id="{646869EA-C98A-4D97-B682-A934C44B0CC9}" type="datetimeFigureOut">
               <a:rPr lang="en-US" smtClean="0"/>
-              <a:t>2/25/2020</a:t>
+              <a:t>2/26/2020</a:t>
             </a:fld>
             <a:endParaRPr lang="en-US"/>
           </a:p>
@@ -2329,7 +2332,7 @@
           <a:p>
             <a:fld id="{646869EA-C98A-4D97-B682-A934C44B0CC9}" type="datetimeFigureOut">
               <a:rPr lang="en-US" smtClean="0"/>
-              <a:t>2/25/2020</a:t>
+              <a:t>2/26/2020</a:t>
             </a:fld>
             <a:endParaRPr lang="en-US"/>
           </a:p>
@@ -2675,7 +2678,7 @@
           <a:p>
             <a:fld id="{646869EA-C98A-4D97-B682-A934C44B0CC9}" type="datetimeFigureOut">
               <a:rPr lang="en-US" smtClean="0"/>
-              <a:t>2/25/2020</a:t>
+              <a:t>2/26/2020</a:t>
             </a:fld>
             <a:endParaRPr lang="en-US"/>
           </a:p>
@@ -3063,7 +3066,7 @@
           <a:p>
             <a:fld id="{646869EA-C98A-4D97-B682-A934C44B0CC9}" type="datetimeFigureOut">
               <a:rPr lang="en-US" smtClean="0"/>
-              <a:t>2/25/2020</a:t>
+              <a:t>2/26/2020</a:t>
             </a:fld>
             <a:endParaRPr lang="en-US"/>
           </a:p>
@@ -3341,7 +3344,7 @@
           <a:p>
             <a:fld id="{646869EA-C98A-4D97-B682-A934C44B0CC9}" type="datetimeFigureOut">
               <a:rPr lang="en-US" smtClean="0"/>
-              <a:t>2/25/2020</a:t>
+              <a:t>2/26/2020</a:t>
             </a:fld>
             <a:endParaRPr lang="en-US"/>
           </a:p>
@@ -3937,6 +3940,282 @@
 </p:sld>
 </file>
 
+<file path=ppt/slides/slide10.xml><?xml version="1.0" encoding="utf-8"?>
+<p:sld xmlns:a="http://schemas.openxmlformats.org/drawingml/2006/main" xmlns:r="http://schemas.openxmlformats.org/officeDocument/2006/relationships" xmlns:p="http://schemas.openxmlformats.org/presentationml/2006/main">
+  <p:cSld>
+    <p:spTree>
+      <p:nvGrpSpPr>
+        <p:cNvPr id="1" name=""/>
+        <p:cNvGrpSpPr/>
+        <p:nvPr/>
+      </p:nvGrpSpPr>
+      <p:grpSpPr>
+        <a:xfrm>
+          <a:off x="0" y="0"/>
+          <a:ext cx="0" cy="0"/>
+          <a:chOff x="0" y="0"/>
+          <a:chExt cx="0" cy="0"/>
+        </a:xfrm>
+      </p:grpSpPr>
+      <p:sp>
+        <p:nvSpPr>
+          <p:cNvPr id="5" name="Title 1"/>
+          <p:cNvSpPr txBox="1">
+            <a:spLocks/>
+          </p:cNvSpPr>
+          <p:nvPr/>
+        </p:nvSpPr>
+        <p:spPr>
+          <a:xfrm>
+            <a:off x="1574800" y="520700"/>
+            <a:ext cx="9601200" cy="774700"/>
+          </a:xfrm>
+          <a:prstGeom prst="rect">
+            <a:avLst/>
+          </a:prstGeom>
+        </p:spPr>
+        <p:txBody>
+          <a:bodyPr vert="horz" lIns="91440" tIns="45720" rIns="91440" bIns="45720" rtlCol="0" anchor="t">
+            <a:normAutofit/>
+          </a:bodyPr>
+          <a:lstStyle>
+            <a:lvl1pPr algn="l" defTabSz="914400" rtl="0" eaLnBrk="1" latinLnBrk="0" hangingPunct="1">
+              <a:lnSpc>
+                <a:spcPct val="89000"/>
+              </a:lnSpc>
+              <a:spcBef>
+                <a:spcPct val="0"/>
+              </a:spcBef>
+              <a:buNone/>
+              <a:defRPr sz="4400" kern="1200" baseline="0">
+                <a:solidFill>
+                  <a:schemeClr val="tx2"/>
+                </a:solidFill>
+                <a:latin typeface="+mj-lt"/>
+                <a:ea typeface="+mj-ea"/>
+                <a:cs typeface="+mj-cs"/>
+              </a:defRPr>
+            </a:lvl1pPr>
+          </a:lstStyle>
+          <a:p>
+            <a:r>
+              <a:rPr lang="en-US" dirty="0" smtClean="0"/>
+              <a:t>Best Solution Graphs For </a:t>
+            </a:r>
+            <a:r>
+              <a:rPr lang="en-US" dirty="0" err="1" smtClean="0"/>
+              <a:t>Reinelt</a:t>
+            </a:r>
+            <a:r>
+              <a:rPr lang="en-US" dirty="0" smtClean="0"/>
+              <a:t> 1323</a:t>
+            </a:r>
+            <a:endParaRPr lang="en-US" dirty="0"/>
+          </a:p>
+        </p:txBody>
+      </p:sp>
+      <p:pic>
+        <p:nvPicPr>
+          <p:cNvPr id="10" name="Picture 9"/>
+          <p:cNvPicPr>
+            <a:picLocks noChangeAspect="1"/>
+          </p:cNvPicPr>
+          <p:nvPr/>
+        </p:nvPicPr>
+        <p:blipFill rotWithShape="1">
+          <a:blip r:embed="rId2"/>
+          <a:srcRect l="16251" t="18765" r="16145" b="9896"/>
+          <a:stretch/>
+        </p:blipFill>
+        <p:spPr>
+          <a:xfrm>
+            <a:off x="123334" y="2476500"/>
+            <a:ext cx="5970098" cy="3403600"/>
+          </a:xfrm>
+          <a:prstGeom prst="rect">
+            <a:avLst/>
+          </a:prstGeom>
+        </p:spPr>
+      </p:pic>
+      <p:pic>
+        <p:nvPicPr>
+          <p:cNvPr id="11" name="Picture 10"/>
+          <p:cNvPicPr>
+            <a:picLocks noChangeAspect="1"/>
+          </p:cNvPicPr>
+          <p:nvPr/>
+        </p:nvPicPr>
+        <p:blipFill rotWithShape="1">
+          <a:blip r:embed="rId3"/>
+          <a:srcRect l="16042" t="18957" r="15833" b="9704"/>
+          <a:stretch/>
+        </p:blipFill>
+        <p:spPr>
+          <a:xfrm>
+            <a:off x="6093432" y="2476500"/>
+            <a:ext cx="5983140" cy="3384957"/>
+          </a:xfrm>
+          <a:prstGeom prst="rect">
+            <a:avLst/>
+          </a:prstGeom>
+        </p:spPr>
+      </p:pic>
+      <p:sp>
+        <p:nvSpPr>
+          <p:cNvPr id="12" name="TextBox 11"/>
+          <p:cNvSpPr txBox="1"/>
+          <p:nvPr/>
+        </p:nvSpPr>
+        <p:spPr>
+          <a:xfrm>
+            <a:off x="2628900" y="1701800"/>
+            <a:ext cx="7540206" cy="646331"/>
+          </a:xfrm>
+          <a:prstGeom prst="rect">
+            <a:avLst/>
+          </a:prstGeom>
+          <a:noFill/>
+        </p:spPr>
+        <p:txBody>
+          <a:bodyPr wrap="none" rtlCol="0">
+            <a:spAutoFit/>
+          </a:bodyPr>
+          <a:lstStyle/>
+          <a:p>
+            <a:r>
+              <a:rPr lang="en-US" sz="3600" dirty="0" smtClean="0"/>
+              <a:t>Ordinal 		    vs 			Path</a:t>
+            </a:r>
+            <a:endParaRPr lang="en-US" sz="3600" dirty="0"/>
+          </a:p>
+        </p:txBody>
+      </p:sp>
+    </p:spTree>
+    <p:extLst>
+      <p:ext uri="{BB962C8B-B14F-4D97-AF65-F5344CB8AC3E}">
+        <p14:creationId xmlns:p14="http://schemas.microsoft.com/office/powerpoint/2010/main" val="3183156299"/>
+      </p:ext>
+    </p:extLst>
+  </p:cSld>
+  <p:clrMapOvr>
+    <a:masterClrMapping/>
+  </p:clrMapOvr>
+</p:sld>
+</file>
+
+<file path=ppt/slides/slide11.xml><?xml version="1.0" encoding="utf-8"?>
+<p:sld xmlns:a="http://schemas.openxmlformats.org/drawingml/2006/main" xmlns:r="http://schemas.openxmlformats.org/officeDocument/2006/relationships" xmlns:p="http://schemas.openxmlformats.org/presentationml/2006/main">
+  <p:cSld>
+    <p:spTree>
+      <p:nvGrpSpPr>
+        <p:cNvPr id="1" name=""/>
+        <p:cNvGrpSpPr/>
+        <p:nvPr/>
+      </p:nvGrpSpPr>
+      <p:grpSpPr>
+        <a:xfrm>
+          <a:off x="0" y="0"/>
+          <a:ext cx="0" cy="0"/>
+          <a:chOff x="0" y="0"/>
+          <a:chExt cx="0" cy="0"/>
+        </a:xfrm>
+      </p:grpSpPr>
+      <p:sp>
+        <p:nvSpPr>
+          <p:cNvPr id="2" name="Title 1"/>
+          <p:cNvSpPr>
+            <a:spLocks noGrp="1"/>
+          </p:cNvSpPr>
+          <p:nvPr>
+            <p:ph type="title"/>
+          </p:nvPr>
+        </p:nvSpPr>
+        <p:spPr/>
+        <p:txBody>
+          <a:bodyPr/>
+          <a:lstStyle/>
+          <a:p>
+            <a:r>
+              <a:rPr lang="en-US" dirty="0" smtClean="0"/>
+              <a:t>References</a:t>
+            </a:r>
+            <a:endParaRPr lang="en-US" dirty="0"/>
+          </a:p>
+        </p:txBody>
+      </p:sp>
+      <p:sp>
+        <p:nvSpPr>
+          <p:cNvPr id="3" name="Content Placeholder 2"/>
+          <p:cNvSpPr>
+            <a:spLocks noGrp="1"/>
+          </p:cNvSpPr>
+          <p:nvPr>
+            <p:ph idx="1"/>
+          </p:nvPr>
+        </p:nvSpPr>
+        <p:spPr/>
+        <p:txBody>
+          <a:bodyPr/>
+          <a:lstStyle/>
+          <a:p>
+            <a:r>
+              <a:rPr lang="en-US" dirty="0"/>
+              <a:t>[1] Hal Stringer &amp; Annie Wu (2004). “A Teaching GA” [Computer software]. Florida, Orlando: UCF.</a:t>
+            </a:r>
+          </a:p>
+          <a:p>
+            <a:r>
+              <a:rPr lang="en-US" dirty="0"/>
+              <a:t>[2] Applegate, D. L.; Bixby, R. M.; </a:t>
+            </a:r>
+            <a:r>
+              <a:rPr lang="en-US" dirty="0" err="1"/>
+              <a:t>Chvatal</a:t>
+            </a:r>
+            <a:r>
+              <a:rPr lang="en-US" dirty="0"/>
+              <a:t>, V.; Cook, W. J. (2006), “The Traveling Salesman Problem”, ISBN 978-0-691-12993-8.</a:t>
+            </a:r>
+          </a:p>
+          <a:p>
+            <a:r>
+              <a:rPr lang="en-US" dirty="0"/>
+              <a:t>[3] </a:t>
+            </a:r>
+            <a:r>
+              <a:rPr lang="en-US" dirty="0" err="1"/>
+              <a:t>Larranaga</a:t>
+            </a:r>
+            <a:r>
+              <a:rPr lang="en-US" dirty="0"/>
+              <a:t>, P. (1999). “Genetic Algorithms for the Travelling Salesman Problem: A Review of Representations and Operators”. Retrieved February 19, 2020, from </a:t>
+            </a:r>
+            <a:r>
+              <a:rPr lang="en-US" u="sng" dirty="0">
+                <a:hlinkClick r:id="rId2"/>
+              </a:rPr>
+              <a:t>https://link.springer.com/article/10.1023/A:1006529012972</a:t>
+            </a:r>
+            <a:endParaRPr lang="en-US" dirty="0"/>
+          </a:p>
+          <a:p>
+            <a:endParaRPr lang="en-US" dirty="0"/>
+          </a:p>
+        </p:txBody>
+      </p:sp>
+    </p:spTree>
+    <p:extLst>
+      <p:ext uri="{BB962C8B-B14F-4D97-AF65-F5344CB8AC3E}">
+        <p14:creationId xmlns:p14="http://schemas.microsoft.com/office/powerpoint/2010/main" val="2060100588"/>
+      </p:ext>
+    </p:extLst>
+  </p:cSld>
+  <p:clrMapOvr>
+    <a:masterClrMapping/>
+  </p:clrMapOvr>
+</p:sld>
+</file>
+
 <file path=ppt/slides/slide2.xml><?xml version="1.0" encoding="utf-8"?>
 <p:sld xmlns:a="http://schemas.openxmlformats.org/drawingml/2006/main" xmlns:r="http://schemas.openxmlformats.org/officeDocument/2006/relationships" xmlns:p="http://schemas.openxmlformats.org/presentationml/2006/main">
   <p:cSld>
@@ -5367,83 +5646,259 @@
             <p:ph type="title"/>
           </p:nvPr>
         </p:nvSpPr>
-        <p:spPr/>
+        <p:spPr>
+          <a:xfrm>
+            <a:off x="1574800" y="520700"/>
+            <a:ext cx="9601200" cy="774700"/>
+          </a:xfrm>
+        </p:spPr>
         <p:txBody>
           <a:bodyPr/>
           <a:lstStyle/>
           <a:p>
             <a:r>
               <a:rPr lang="en-US" dirty="0" smtClean="0"/>
-              <a:t>References</a:t>
+              <a:t>Best Solution Graphs For 48 Capitals</a:t>
             </a:r>
             <a:endParaRPr lang="en-US" dirty="0"/>
           </a:p>
         </p:txBody>
       </p:sp>
-      <p:sp>
-        <p:nvSpPr>
-          <p:cNvPr id="3" name="Content Placeholder 2"/>
-          <p:cNvSpPr>
-            <a:spLocks noGrp="1"/>
-          </p:cNvSpPr>
-          <p:nvPr>
-            <p:ph idx="1"/>
-          </p:nvPr>
-        </p:nvSpPr>
-        <p:spPr/>
-        <p:txBody>
-          <a:bodyPr/>
+      <p:pic>
+        <p:nvPicPr>
+          <p:cNvPr id="3" name="Picture 2"/>
+          <p:cNvPicPr>
+            <a:picLocks noChangeAspect="1"/>
+          </p:cNvPicPr>
+          <p:nvPr/>
+        </p:nvPicPr>
+        <p:blipFill rotWithShape="1">
+          <a:blip r:embed="rId2"/>
+          <a:srcRect l="16354" t="18765" r="15833" b="10089"/>
+          <a:stretch/>
+        </p:blipFill>
+        <p:spPr>
+          <a:xfrm>
+            <a:off x="123335" y="2476500"/>
+            <a:ext cx="6027129" cy="3416299"/>
+          </a:xfrm>
+          <a:prstGeom prst="rect">
+            <a:avLst/>
+          </a:prstGeom>
+        </p:spPr>
+      </p:pic>
+      <p:pic>
+        <p:nvPicPr>
+          <p:cNvPr id="7" name="Picture 6"/>
+          <p:cNvPicPr>
+            <a:picLocks noChangeAspect="1"/>
+          </p:cNvPicPr>
+          <p:nvPr/>
+        </p:nvPicPr>
+        <p:blipFill rotWithShape="1">
+          <a:blip r:embed="rId3"/>
+          <a:srcRect l="16251" t="18958" r="16249" b="9704"/>
+          <a:stretch/>
+        </p:blipFill>
+        <p:spPr>
+          <a:xfrm>
+            <a:off x="6150463" y="2476500"/>
+            <a:ext cx="5983139" cy="3416299"/>
+          </a:xfrm>
+          <a:prstGeom prst="rect">
+            <a:avLst/>
+          </a:prstGeom>
+        </p:spPr>
+      </p:pic>
+      <p:sp>
+        <p:nvSpPr>
+          <p:cNvPr id="12" name="TextBox 11"/>
+          <p:cNvSpPr txBox="1"/>
+          <p:nvPr/>
+        </p:nvSpPr>
+        <p:spPr>
+          <a:xfrm>
+            <a:off x="2628900" y="1701800"/>
+            <a:ext cx="7540206" cy="646331"/>
+          </a:xfrm>
+          <a:prstGeom prst="rect">
+            <a:avLst/>
+          </a:prstGeom>
+          <a:noFill/>
+        </p:spPr>
+        <p:txBody>
+          <a:bodyPr wrap="none" rtlCol="0">
+            <a:spAutoFit/>
+          </a:bodyPr>
           <a:lstStyle/>
           <a:p>
             <a:r>
-              <a:rPr lang="en-US" dirty="0"/>
-              <a:t>[1] Hal Stringer &amp; Annie Wu (2004). “A Teaching GA” [Computer software]. Florida, Orlando: UCF.</a:t>
-            </a:r>
-          </a:p>
-          <a:p>
-            <a:r>
-              <a:rPr lang="en-US" dirty="0"/>
-              <a:t>[2] Applegate, D. L.; Bixby, R. M.; </a:t>
-            </a:r>
-            <a:r>
-              <a:rPr lang="en-US" dirty="0" err="1"/>
-              <a:t>Chvatal</a:t>
-            </a:r>
-            <a:r>
-              <a:rPr lang="en-US" dirty="0"/>
-              <a:t>, V.; Cook, W. J. (2006), “The Traveling Salesman Problem”, ISBN 978-0-691-12993-8.</a:t>
-            </a:r>
-          </a:p>
-          <a:p>
-            <a:r>
-              <a:rPr lang="en-US" dirty="0"/>
-              <a:t>[3] </a:t>
-            </a:r>
-            <a:r>
-              <a:rPr lang="en-US" dirty="0" err="1"/>
-              <a:t>Larranaga</a:t>
-            </a:r>
-            <a:r>
-              <a:rPr lang="en-US" dirty="0"/>
-              <a:t>, P. (1999). “Genetic Algorithms for the Travelling Salesman Problem: A Review of Representations and Operators”. Retrieved February 19, 2020, from </a:t>
-            </a:r>
-            <a:r>
-              <a:rPr lang="en-US" u="sng" dirty="0">
-                <a:hlinkClick r:id="rId2"/>
-              </a:rPr>
-              <a:t>https://link.springer.com/article/10.1023/A:1006529012972</a:t>
-            </a:r>
-            <a:endParaRPr lang="en-US" dirty="0"/>
-          </a:p>
-          <a:p>
-            <a:endParaRPr lang="en-US" dirty="0"/>
+              <a:rPr lang="en-US" sz="3600" dirty="0" smtClean="0"/>
+              <a:t>Ordinal 		    vs 			Path</a:t>
+            </a:r>
+            <a:endParaRPr lang="en-US" sz="3600" dirty="0"/>
           </a:p>
         </p:txBody>
       </p:sp>
     </p:spTree>
     <p:extLst>
       <p:ext uri="{BB962C8B-B14F-4D97-AF65-F5344CB8AC3E}">
-        <p14:creationId xmlns:p14="http://schemas.microsoft.com/office/powerpoint/2010/main" val="2060100588"/>
+        <p14:creationId xmlns:p14="http://schemas.microsoft.com/office/powerpoint/2010/main" val="1325808219"/>
+      </p:ext>
+    </p:extLst>
+  </p:cSld>
+  <p:clrMapOvr>
+    <a:masterClrMapping/>
+  </p:clrMapOvr>
+</p:sld>
+</file>
+
+<file path=ppt/slides/slide9.xml><?xml version="1.0" encoding="utf-8"?>
+<p:sld xmlns:a="http://schemas.openxmlformats.org/drawingml/2006/main" xmlns:r="http://schemas.openxmlformats.org/officeDocument/2006/relationships" xmlns:p="http://schemas.openxmlformats.org/presentationml/2006/main">
+  <p:cSld>
+    <p:spTree>
+      <p:nvGrpSpPr>
+        <p:cNvPr id="1" name=""/>
+        <p:cNvGrpSpPr/>
+        <p:nvPr/>
+      </p:nvGrpSpPr>
+      <p:grpSpPr>
+        <a:xfrm>
+          <a:off x="0" y="0"/>
+          <a:ext cx="0" cy="0"/>
+          <a:chOff x="0" y="0"/>
+          <a:chExt cx="0" cy="0"/>
+        </a:xfrm>
+      </p:grpSpPr>
+      <p:sp>
+        <p:nvSpPr>
+          <p:cNvPr id="6" name="Title 1"/>
+          <p:cNvSpPr txBox="1">
+            <a:spLocks/>
+          </p:cNvSpPr>
+          <p:nvPr/>
+        </p:nvSpPr>
+        <p:spPr>
+          <a:xfrm>
+            <a:off x="1574800" y="520700"/>
+            <a:ext cx="9601200" cy="774700"/>
+          </a:xfrm>
+          <a:prstGeom prst="rect">
+            <a:avLst/>
+          </a:prstGeom>
+        </p:spPr>
+        <p:txBody>
+          <a:bodyPr vert="horz" lIns="91440" tIns="45720" rIns="91440" bIns="45720" rtlCol="0" anchor="t">
+            <a:normAutofit/>
+          </a:bodyPr>
+          <a:lstStyle>
+            <a:lvl1pPr algn="l" defTabSz="914400" rtl="0" eaLnBrk="1" latinLnBrk="0" hangingPunct="1">
+              <a:lnSpc>
+                <a:spcPct val="89000"/>
+              </a:lnSpc>
+              <a:spcBef>
+                <a:spcPct val="0"/>
+              </a:spcBef>
+              <a:buNone/>
+              <a:defRPr sz="4400" kern="1200" baseline="0">
+                <a:solidFill>
+                  <a:schemeClr val="tx2"/>
+                </a:solidFill>
+                <a:latin typeface="+mj-lt"/>
+                <a:ea typeface="+mj-ea"/>
+                <a:cs typeface="+mj-cs"/>
+              </a:defRPr>
+            </a:lvl1pPr>
+          </a:lstStyle>
+          <a:p>
+            <a:r>
+              <a:rPr lang="en-US" dirty="0" smtClean="0"/>
+              <a:t>Best Solution Graphs For Berlin 52</a:t>
+            </a:r>
+            <a:endParaRPr lang="en-US" dirty="0"/>
+          </a:p>
+        </p:txBody>
+      </p:sp>
+      <p:pic>
+        <p:nvPicPr>
+          <p:cNvPr id="11" name="Picture 10"/>
+          <p:cNvPicPr>
+            <a:picLocks noChangeAspect="1"/>
+          </p:cNvPicPr>
+          <p:nvPr/>
+        </p:nvPicPr>
+        <p:blipFill rotWithShape="1">
+          <a:blip r:embed="rId2"/>
+          <a:srcRect l="16250" t="18958" r="16041" b="9704"/>
+          <a:stretch/>
+        </p:blipFill>
+        <p:spPr>
+          <a:xfrm>
+            <a:off x="123334" y="2476500"/>
+            <a:ext cx="6007100" cy="3419426"/>
+          </a:xfrm>
+          <a:prstGeom prst="rect">
+            <a:avLst/>
+          </a:prstGeom>
+        </p:spPr>
+      </p:pic>
+      <p:pic>
+        <p:nvPicPr>
+          <p:cNvPr id="12" name="Picture 11"/>
+          <p:cNvPicPr>
+            <a:picLocks noChangeAspect="1"/>
+          </p:cNvPicPr>
+          <p:nvPr/>
+        </p:nvPicPr>
+        <p:blipFill rotWithShape="1">
+          <a:blip r:embed="rId3"/>
+          <a:srcRect l="16250" t="18572" r="16041" b="9704"/>
+          <a:stretch/>
+        </p:blipFill>
+        <p:spPr>
+          <a:xfrm>
+            <a:off x="6150462" y="2479627"/>
+            <a:ext cx="5983140" cy="3424197"/>
+          </a:xfrm>
+          <a:prstGeom prst="rect">
+            <a:avLst/>
+          </a:prstGeom>
+        </p:spPr>
+      </p:pic>
+      <p:sp>
+        <p:nvSpPr>
+          <p:cNvPr id="15" name="TextBox 14"/>
+          <p:cNvSpPr txBox="1"/>
+          <p:nvPr/>
+        </p:nvSpPr>
+        <p:spPr>
+          <a:xfrm>
+            <a:off x="2628900" y="1701800"/>
+            <a:ext cx="7540206" cy="646331"/>
+          </a:xfrm>
+          <a:prstGeom prst="rect">
+            <a:avLst/>
+          </a:prstGeom>
+          <a:noFill/>
+        </p:spPr>
+        <p:txBody>
+          <a:bodyPr wrap="none" rtlCol="0">
+            <a:spAutoFit/>
+          </a:bodyPr>
+          <a:lstStyle/>
+          <a:p>
+            <a:r>
+              <a:rPr lang="en-US" sz="3600" dirty="0" smtClean="0"/>
+              <a:t>Ordinal 		    vs 			Path</a:t>
+            </a:r>
+            <a:endParaRPr lang="en-US" sz="3600" dirty="0"/>
+          </a:p>
+        </p:txBody>
+      </p:sp>
+    </p:spTree>
+    <p:extLst>
+      <p:ext uri="{BB962C8B-B14F-4D97-AF65-F5344CB8AC3E}">
+        <p14:creationId xmlns:p14="http://schemas.microsoft.com/office/powerpoint/2010/main" val="1734851070"/>
       </p:ext>
     </p:extLst>
   </p:cSld>

--- a/Presentation_Homework_2.pptx
+++ b/Presentation_Homework_2.pptx
@@ -4,6 +4,9 @@
   <p:sldMasterIdLst>
     <p:sldMasterId id="2147483660" r:id="rId1"/>
   </p:sldMasterIdLst>
+  <p:notesMasterIdLst>
+    <p:notesMasterId r:id="rId13"/>
+  </p:notesMasterIdLst>
   <p:sldIdLst>
     <p:sldId id="256" r:id="rId2"/>
     <p:sldId id="257" r:id="rId3"/>
@@ -120,6 +123,1324 @@
     </p:ext>
   </p:extLst>
 </p:presentation>
+</file>
+
+<file path=ppt/notesMasters/notesMaster1.xml><?xml version="1.0" encoding="utf-8"?>
+<p:notesMaster xmlns:a="http://schemas.openxmlformats.org/drawingml/2006/main" xmlns:r="http://schemas.openxmlformats.org/officeDocument/2006/relationships" xmlns:p="http://schemas.openxmlformats.org/presentationml/2006/main">
+  <p:cSld>
+    <p:bg>
+      <p:bgRef idx="1001">
+        <a:schemeClr val="bg1"/>
+      </p:bgRef>
+    </p:bg>
+    <p:spTree>
+      <p:nvGrpSpPr>
+        <p:cNvPr id="1" name=""/>
+        <p:cNvGrpSpPr/>
+        <p:nvPr/>
+      </p:nvGrpSpPr>
+      <p:grpSpPr>
+        <a:xfrm>
+          <a:off x="0" y="0"/>
+          <a:ext cx="0" cy="0"/>
+          <a:chOff x="0" y="0"/>
+          <a:chExt cx="0" cy="0"/>
+        </a:xfrm>
+      </p:grpSpPr>
+      <p:sp>
+        <p:nvSpPr>
+          <p:cNvPr id="2" name="Header Placeholder 1"/>
+          <p:cNvSpPr>
+            <a:spLocks noGrp="1"/>
+          </p:cNvSpPr>
+          <p:nvPr>
+            <p:ph type="hdr" sz="quarter"/>
+          </p:nvPr>
+        </p:nvSpPr>
+        <p:spPr>
+          <a:xfrm>
+            <a:off x="0" y="0"/>
+            <a:ext cx="2971800" cy="458788"/>
+          </a:xfrm>
+          <a:prstGeom prst="rect">
+            <a:avLst/>
+          </a:prstGeom>
+        </p:spPr>
+        <p:txBody>
+          <a:bodyPr vert="horz" lIns="91440" tIns="45720" rIns="91440" bIns="45720" rtlCol="0"/>
+          <a:lstStyle>
+            <a:lvl1pPr algn="l">
+              <a:defRPr sz="1200"/>
+            </a:lvl1pPr>
+          </a:lstStyle>
+          <a:p>
+            <a:endParaRPr lang="en-US"/>
+          </a:p>
+        </p:txBody>
+      </p:sp>
+      <p:sp>
+        <p:nvSpPr>
+          <p:cNvPr id="3" name="Date Placeholder 2"/>
+          <p:cNvSpPr>
+            <a:spLocks noGrp="1"/>
+          </p:cNvSpPr>
+          <p:nvPr>
+            <p:ph type="dt" idx="1"/>
+          </p:nvPr>
+        </p:nvSpPr>
+        <p:spPr>
+          <a:xfrm>
+            <a:off x="3884613" y="0"/>
+            <a:ext cx="2971800" cy="458788"/>
+          </a:xfrm>
+          <a:prstGeom prst="rect">
+            <a:avLst/>
+          </a:prstGeom>
+        </p:spPr>
+        <p:txBody>
+          <a:bodyPr vert="horz" lIns="91440" tIns="45720" rIns="91440" bIns="45720" rtlCol="0"/>
+          <a:lstStyle>
+            <a:lvl1pPr algn="r">
+              <a:defRPr sz="1200"/>
+            </a:lvl1pPr>
+          </a:lstStyle>
+          <a:p>
+            <a:fld id="{EAC63DC3-A80D-453D-91D0-D2E2005D49A7}" type="datetimeFigureOut">
+              <a:rPr lang="en-US" smtClean="0"/>
+              <a:t>2/26/2020</a:t>
+            </a:fld>
+            <a:endParaRPr lang="en-US"/>
+          </a:p>
+        </p:txBody>
+      </p:sp>
+      <p:sp>
+        <p:nvSpPr>
+          <p:cNvPr id="4" name="Slide Image Placeholder 3"/>
+          <p:cNvSpPr>
+            <a:spLocks noGrp="1" noRot="1" noChangeAspect="1"/>
+          </p:cNvSpPr>
+          <p:nvPr>
+            <p:ph type="sldImg" idx="2"/>
+          </p:nvPr>
+        </p:nvSpPr>
+        <p:spPr>
+          <a:xfrm>
+            <a:off x="685800" y="1143000"/>
+            <a:ext cx="5486400" cy="3086100"/>
+          </a:xfrm>
+          <a:prstGeom prst="rect">
+            <a:avLst/>
+          </a:prstGeom>
+          <a:noFill/>
+          <a:ln w="12700">
+            <a:solidFill>
+              <a:prstClr val="black"/>
+            </a:solidFill>
+          </a:ln>
+        </p:spPr>
+        <p:txBody>
+          <a:bodyPr vert="horz" lIns="91440" tIns="45720" rIns="91440" bIns="45720" rtlCol="0" anchor="ctr"/>
+          <a:lstStyle/>
+          <a:p>
+            <a:endParaRPr lang="en-US"/>
+          </a:p>
+        </p:txBody>
+      </p:sp>
+      <p:sp>
+        <p:nvSpPr>
+          <p:cNvPr id="5" name="Notes Placeholder 4"/>
+          <p:cNvSpPr>
+            <a:spLocks noGrp="1"/>
+          </p:cNvSpPr>
+          <p:nvPr>
+            <p:ph type="body" sz="quarter" idx="3"/>
+          </p:nvPr>
+        </p:nvSpPr>
+        <p:spPr>
+          <a:xfrm>
+            <a:off x="685800" y="4400550"/>
+            <a:ext cx="5486400" cy="3600450"/>
+          </a:xfrm>
+          <a:prstGeom prst="rect">
+            <a:avLst/>
+          </a:prstGeom>
+        </p:spPr>
+        <p:txBody>
+          <a:bodyPr vert="horz" lIns="91440" tIns="45720" rIns="91440" bIns="45720" rtlCol="0"/>
+          <a:lstStyle/>
+          <a:p>
+            <a:pPr lvl="0"/>
+            <a:r>
+              <a:rPr lang="en-US" smtClean="0"/>
+              <a:t>Click to edit Master text styles</a:t>
+            </a:r>
+          </a:p>
+          <a:p>
+            <a:pPr lvl="1"/>
+            <a:r>
+              <a:rPr lang="en-US" smtClean="0"/>
+              <a:t>Second level</a:t>
+            </a:r>
+          </a:p>
+          <a:p>
+            <a:pPr lvl="2"/>
+            <a:r>
+              <a:rPr lang="en-US" smtClean="0"/>
+              <a:t>Third level</a:t>
+            </a:r>
+          </a:p>
+          <a:p>
+            <a:pPr lvl="3"/>
+            <a:r>
+              <a:rPr lang="en-US" smtClean="0"/>
+              <a:t>Fourth level</a:t>
+            </a:r>
+          </a:p>
+          <a:p>
+            <a:pPr lvl="4"/>
+            <a:r>
+              <a:rPr lang="en-US" smtClean="0"/>
+              <a:t>Fifth level</a:t>
+            </a:r>
+            <a:endParaRPr lang="en-US"/>
+          </a:p>
+        </p:txBody>
+      </p:sp>
+      <p:sp>
+        <p:nvSpPr>
+          <p:cNvPr id="6" name="Footer Placeholder 5"/>
+          <p:cNvSpPr>
+            <a:spLocks noGrp="1"/>
+          </p:cNvSpPr>
+          <p:nvPr>
+            <p:ph type="ftr" sz="quarter" idx="4"/>
+          </p:nvPr>
+        </p:nvSpPr>
+        <p:spPr>
+          <a:xfrm>
+            <a:off x="0" y="8685213"/>
+            <a:ext cx="2971800" cy="458787"/>
+          </a:xfrm>
+          <a:prstGeom prst="rect">
+            <a:avLst/>
+          </a:prstGeom>
+        </p:spPr>
+        <p:txBody>
+          <a:bodyPr vert="horz" lIns="91440" tIns="45720" rIns="91440" bIns="45720" rtlCol="0" anchor="b"/>
+          <a:lstStyle>
+            <a:lvl1pPr algn="l">
+              <a:defRPr sz="1200"/>
+            </a:lvl1pPr>
+          </a:lstStyle>
+          <a:p>
+            <a:endParaRPr lang="en-US"/>
+          </a:p>
+        </p:txBody>
+      </p:sp>
+      <p:sp>
+        <p:nvSpPr>
+          <p:cNvPr id="7" name="Slide Number Placeholder 6"/>
+          <p:cNvSpPr>
+            <a:spLocks noGrp="1"/>
+          </p:cNvSpPr>
+          <p:nvPr>
+            <p:ph type="sldNum" sz="quarter" idx="5"/>
+          </p:nvPr>
+        </p:nvSpPr>
+        <p:spPr>
+          <a:xfrm>
+            <a:off x="3884613" y="8685213"/>
+            <a:ext cx="2971800" cy="458787"/>
+          </a:xfrm>
+          <a:prstGeom prst="rect">
+            <a:avLst/>
+          </a:prstGeom>
+        </p:spPr>
+        <p:txBody>
+          <a:bodyPr vert="horz" lIns="91440" tIns="45720" rIns="91440" bIns="45720" rtlCol="0" anchor="b"/>
+          <a:lstStyle>
+            <a:lvl1pPr algn="r">
+              <a:defRPr sz="1200"/>
+            </a:lvl1pPr>
+          </a:lstStyle>
+          <a:p>
+            <a:fld id="{8BB75A4D-A1BD-46CD-83C2-E3353C6CC843}" type="slidenum">
+              <a:rPr lang="en-US" smtClean="0"/>
+              <a:t>‹#›</a:t>
+            </a:fld>
+            <a:endParaRPr lang="en-US"/>
+          </a:p>
+        </p:txBody>
+      </p:sp>
+    </p:spTree>
+    <p:extLst>
+      <p:ext uri="{BB962C8B-B14F-4D97-AF65-F5344CB8AC3E}">
+        <p14:creationId xmlns:p14="http://schemas.microsoft.com/office/powerpoint/2010/main" val="3050340492"/>
+      </p:ext>
+    </p:extLst>
+  </p:cSld>
+  <p:clrMap bg1="lt1" tx1="dk1" bg2="lt2" tx2="dk2" accent1="accent1" accent2="accent2" accent3="accent3" accent4="accent4" accent5="accent5" accent6="accent6" hlink="hlink" folHlink="folHlink"/>
+  <p:notesStyle>
+    <a:lvl1pPr marL="0" algn="l" defTabSz="914400" rtl="0" eaLnBrk="1" latinLnBrk="0" hangingPunct="1">
+      <a:defRPr sz="1200" kern="1200">
+        <a:solidFill>
+          <a:schemeClr val="tx1"/>
+        </a:solidFill>
+        <a:latin typeface="+mn-lt"/>
+        <a:ea typeface="+mn-ea"/>
+        <a:cs typeface="+mn-cs"/>
+      </a:defRPr>
+    </a:lvl1pPr>
+    <a:lvl2pPr marL="457200" algn="l" defTabSz="914400" rtl="0" eaLnBrk="1" latinLnBrk="0" hangingPunct="1">
+      <a:defRPr sz="1200" kern="1200">
+        <a:solidFill>
+          <a:schemeClr val="tx1"/>
+        </a:solidFill>
+        <a:latin typeface="+mn-lt"/>
+        <a:ea typeface="+mn-ea"/>
+        <a:cs typeface="+mn-cs"/>
+      </a:defRPr>
+    </a:lvl2pPr>
+    <a:lvl3pPr marL="914400" algn="l" defTabSz="914400" rtl="0" eaLnBrk="1" latinLnBrk="0" hangingPunct="1">
+      <a:defRPr sz="1200" kern="1200">
+        <a:solidFill>
+          <a:schemeClr val="tx1"/>
+        </a:solidFill>
+        <a:latin typeface="+mn-lt"/>
+        <a:ea typeface="+mn-ea"/>
+        <a:cs typeface="+mn-cs"/>
+      </a:defRPr>
+    </a:lvl3pPr>
+    <a:lvl4pPr marL="1371600" algn="l" defTabSz="914400" rtl="0" eaLnBrk="1" latinLnBrk="0" hangingPunct="1">
+      <a:defRPr sz="1200" kern="1200">
+        <a:solidFill>
+          <a:schemeClr val="tx1"/>
+        </a:solidFill>
+        <a:latin typeface="+mn-lt"/>
+        <a:ea typeface="+mn-ea"/>
+        <a:cs typeface="+mn-cs"/>
+      </a:defRPr>
+    </a:lvl4pPr>
+    <a:lvl5pPr marL="1828800" algn="l" defTabSz="914400" rtl="0" eaLnBrk="1" latinLnBrk="0" hangingPunct="1">
+      <a:defRPr sz="1200" kern="1200">
+        <a:solidFill>
+          <a:schemeClr val="tx1"/>
+        </a:solidFill>
+        <a:latin typeface="+mn-lt"/>
+        <a:ea typeface="+mn-ea"/>
+        <a:cs typeface="+mn-cs"/>
+      </a:defRPr>
+    </a:lvl5pPr>
+    <a:lvl6pPr marL="2286000" algn="l" defTabSz="914400" rtl="0" eaLnBrk="1" latinLnBrk="0" hangingPunct="1">
+      <a:defRPr sz="1200" kern="1200">
+        <a:solidFill>
+          <a:schemeClr val="tx1"/>
+        </a:solidFill>
+        <a:latin typeface="+mn-lt"/>
+        <a:ea typeface="+mn-ea"/>
+        <a:cs typeface="+mn-cs"/>
+      </a:defRPr>
+    </a:lvl6pPr>
+    <a:lvl7pPr marL="2743200" algn="l" defTabSz="914400" rtl="0" eaLnBrk="1" latinLnBrk="0" hangingPunct="1">
+      <a:defRPr sz="1200" kern="1200">
+        <a:solidFill>
+          <a:schemeClr val="tx1"/>
+        </a:solidFill>
+        <a:latin typeface="+mn-lt"/>
+        <a:ea typeface="+mn-ea"/>
+        <a:cs typeface="+mn-cs"/>
+      </a:defRPr>
+    </a:lvl7pPr>
+    <a:lvl8pPr marL="3200400" algn="l" defTabSz="914400" rtl="0" eaLnBrk="1" latinLnBrk="0" hangingPunct="1">
+      <a:defRPr sz="1200" kern="1200">
+        <a:solidFill>
+          <a:schemeClr val="tx1"/>
+        </a:solidFill>
+        <a:latin typeface="+mn-lt"/>
+        <a:ea typeface="+mn-ea"/>
+        <a:cs typeface="+mn-cs"/>
+      </a:defRPr>
+    </a:lvl8pPr>
+    <a:lvl9pPr marL="3657600" algn="l" defTabSz="914400" rtl="0" eaLnBrk="1" latinLnBrk="0" hangingPunct="1">
+      <a:defRPr sz="1200" kern="1200">
+        <a:solidFill>
+          <a:schemeClr val="tx1"/>
+        </a:solidFill>
+        <a:latin typeface="+mn-lt"/>
+        <a:ea typeface="+mn-ea"/>
+        <a:cs typeface="+mn-cs"/>
+      </a:defRPr>
+    </a:lvl9pPr>
+  </p:notesStyle>
+</p:notesMaster>
+</file>
+
+<file path=ppt/notesSlides/notesSlide1.xml><?xml version="1.0" encoding="utf-8"?>
+<p:notes xmlns:a="http://schemas.openxmlformats.org/drawingml/2006/main" xmlns:r="http://schemas.openxmlformats.org/officeDocument/2006/relationships" xmlns:p="http://schemas.openxmlformats.org/presentationml/2006/main">
+  <p:cSld>
+    <p:spTree>
+      <p:nvGrpSpPr>
+        <p:cNvPr id="1" name=""/>
+        <p:cNvGrpSpPr/>
+        <p:nvPr/>
+      </p:nvGrpSpPr>
+      <p:grpSpPr>
+        <a:xfrm>
+          <a:off x="0" y="0"/>
+          <a:ext cx="0" cy="0"/>
+          <a:chOff x="0" y="0"/>
+          <a:chExt cx="0" cy="0"/>
+        </a:xfrm>
+      </p:grpSpPr>
+      <p:sp>
+        <p:nvSpPr>
+          <p:cNvPr id="2" name="Slide Image Placeholder 1"/>
+          <p:cNvSpPr>
+            <a:spLocks noGrp="1" noRot="1" noChangeAspect="1"/>
+          </p:cNvSpPr>
+          <p:nvPr>
+            <p:ph type="sldImg"/>
+          </p:nvPr>
+        </p:nvSpPr>
+        <p:spPr/>
+      </p:sp>
+      <p:sp>
+        <p:nvSpPr>
+          <p:cNvPr id="3" name="Notes Placeholder 2"/>
+          <p:cNvSpPr>
+            <a:spLocks noGrp="1"/>
+          </p:cNvSpPr>
+          <p:nvPr>
+            <p:ph type="body" idx="1"/>
+          </p:nvPr>
+        </p:nvSpPr>
+        <p:spPr/>
+        <p:txBody>
+          <a:bodyPr/>
+          <a:lstStyle/>
+          <a:p>
+            <a:r>
+              <a:rPr lang="en-US" dirty="0" smtClean="0"/>
+              <a:t>Fernando</a:t>
+            </a:r>
+            <a:endParaRPr lang="en-US" dirty="0"/>
+          </a:p>
+        </p:txBody>
+      </p:sp>
+      <p:sp>
+        <p:nvSpPr>
+          <p:cNvPr id="4" name="Slide Number Placeholder 3"/>
+          <p:cNvSpPr>
+            <a:spLocks noGrp="1"/>
+          </p:cNvSpPr>
+          <p:nvPr>
+            <p:ph type="sldNum" sz="quarter" idx="10"/>
+          </p:nvPr>
+        </p:nvSpPr>
+        <p:spPr/>
+        <p:txBody>
+          <a:bodyPr/>
+          <a:lstStyle/>
+          <a:p>
+            <a:fld id="{8BB75A4D-A1BD-46CD-83C2-E3353C6CC843}" type="slidenum">
+              <a:rPr lang="en-US" smtClean="0"/>
+              <a:t>1</a:t>
+            </a:fld>
+            <a:endParaRPr lang="en-US"/>
+          </a:p>
+        </p:txBody>
+      </p:sp>
+    </p:spTree>
+    <p:extLst>
+      <p:ext uri="{BB962C8B-B14F-4D97-AF65-F5344CB8AC3E}">
+        <p14:creationId xmlns:p14="http://schemas.microsoft.com/office/powerpoint/2010/main" val="3211336640"/>
+      </p:ext>
+    </p:extLst>
+  </p:cSld>
+  <p:clrMapOvr>
+    <a:masterClrMapping/>
+  </p:clrMapOvr>
+</p:notes>
+</file>
+
+<file path=ppt/notesSlides/notesSlide10.xml><?xml version="1.0" encoding="utf-8"?>
+<p:notes xmlns:a="http://schemas.openxmlformats.org/drawingml/2006/main" xmlns:r="http://schemas.openxmlformats.org/officeDocument/2006/relationships" xmlns:p="http://schemas.openxmlformats.org/presentationml/2006/main">
+  <p:cSld>
+    <p:spTree>
+      <p:nvGrpSpPr>
+        <p:cNvPr id="1" name=""/>
+        <p:cNvGrpSpPr/>
+        <p:nvPr/>
+      </p:nvGrpSpPr>
+      <p:grpSpPr>
+        <a:xfrm>
+          <a:off x="0" y="0"/>
+          <a:ext cx="0" cy="0"/>
+          <a:chOff x="0" y="0"/>
+          <a:chExt cx="0" cy="0"/>
+        </a:xfrm>
+      </p:grpSpPr>
+      <p:sp>
+        <p:nvSpPr>
+          <p:cNvPr id="2" name="Slide Image Placeholder 1"/>
+          <p:cNvSpPr>
+            <a:spLocks noGrp="1" noRot="1" noChangeAspect="1"/>
+          </p:cNvSpPr>
+          <p:nvPr>
+            <p:ph type="sldImg"/>
+          </p:nvPr>
+        </p:nvSpPr>
+        <p:spPr/>
+      </p:sp>
+      <p:sp>
+        <p:nvSpPr>
+          <p:cNvPr id="3" name="Notes Placeholder 2"/>
+          <p:cNvSpPr>
+            <a:spLocks noGrp="1"/>
+          </p:cNvSpPr>
+          <p:nvPr>
+            <p:ph type="body" idx="1"/>
+          </p:nvPr>
+        </p:nvSpPr>
+        <p:spPr/>
+        <p:txBody>
+          <a:bodyPr/>
+          <a:lstStyle/>
+          <a:p>
+            <a:r>
+              <a:rPr lang="en-US" dirty="0" smtClean="0"/>
+              <a:t>Fernando</a:t>
+            </a:r>
+            <a:endParaRPr lang="en-US" dirty="0"/>
+          </a:p>
+        </p:txBody>
+      </p:sp>
+      <p:sp>
+        <p:nvSpPr>
+          <p:cNvPr id="4" name="Slide Number Placeholder 3"/>
+          <p:cNvSpPr>
+            <a:spLocks noGrp="1"/>
+          </p:cNvSpPr>
+          <p:nvPr>
+            <p:ph type="sldNum" sz="quarter" idx="10"/>
+          </p:nvPr>
+        </p:nvSpPr>
+        <p:spPr/>
+        <p:txBody>
+          <a:bodyPr/>
+          <a:lstStyle/>
+          <a:p>
+            <a:fld id="{8BB75A4D-A1BD-46CD-83C2-E3353C6CC843}" type="slidenum">
+              <a:rPr lang="en-US" smtClean="0"/>
+              <a:t>10</a:t>
+            </a:fld>
+            <a:endParaRPr lang="en-US"/>
+          </a:p>
+        </p:txBody>
+      </p:sp>
+    </p:spTree>
+    <p:extLst>
+      <p:ext uri="{BB962C8B-B14F-4D97-AF65-F5344CB8AC3E}">
+        <p14:creationId xmlns:p14="http://schemas.microsoft.com/office/powerpoint/2010/main" val="3950709186"/>
+      </p:ext>
+    </p:extLst>
+  </p:cSld>
+  <p:clrMapOvr>
+    <a:masterClrMapping/>
+  </p:clrMapOvr>
+</p:notes>
+</file>
+
+<file path=ppt/notesSlides/notesSlide11.xml><?xml version="1.0" encoding="utf-8"?>
+<p:notes xmlns:a="http://schemas.openxmlformats.org/drawingml/2006/main" xmlns:r="http://schemas.openxmlformats.org/officeDocument/2006/relationships" xmlns:p="http://schemas.openxmlformats.org/presentationml/2006/main">
+  <p:cSld>
+    <p:spTree>
+      <p:nvGrpSpPr>
+        <p:cNvPr id="1" name=""/>
+        <p:cNvGrpSpPr/>
+        <p:nvPr/>
+      </p:nvGrpSpPr>
+      <p:grpSpPr>
+        <a:xfrm>
+          <a:off x="0" y="0"/>
+          <a:ext cx="0" cy="0"/>
+          <a:chOff x="0" y="0"/>
+          <a:chExt cx="0" cy="0"/>
+        </a:xfrm>
+      </p:grpSpPr>
+      <p:sp>
+        <p:nvSpPr>
+          <p:cNvPr id="2" name="Slide Image Placeholder 1"/>
+          <p:cNvSpPr>
+            <a:spLocks noGrp="1" noRot="1" noChangeAspect="1"/>
+          </p:cNvSpPr>
+          <p:nvPr>
+            <p:ph type="sldImg"/>
+          </p:nvPr>
+        </p:nvSpPr>
+        <p:spPr/>
+      </p:sp>
+      <p:sp>
+        <p:nvSpPr>
+          <p:cNvPr id="3" name="Notes Placeholder 2"/>
+          <p:cNvSpPr>
+            <a:spLocks noGrp="1"/>
+          </p:cNvSpPr>
+          <p:nvPr>
+            <p:ph type="body" idx="1"/>
+          </p:nvPr>
+        </p:nvSpPr>
+        <p:spPr/>
+        <p:txBody>
+          <a:bodyPr/>
+          <a:lstStyle/>
+          <a:p>
+            <a:r>
+              <a:rPr lang="en-US" dirty="0" err="1" smtClean="0"/>
+              <a:t>Fernnado</a:t>
+            </a:r>
+            <a:endParaRPr lang="en-US" dirty="0"/>
+          </a:p>
+        </p:txBody>
+      </p:sp>
+      <p:sp>
+        <p:nvSpPr>
+          <p:cNvPr id="4" name="Slide Number Placeholder 3"/>
+          <p:cNvSpPr>
+            <a:spLocks noGrp="1"/>
+          </p:cNvSpPr>
+          <p:nvPr>
+            <p:ph type="sldNum" sz="quarter" idx="10"/>
+          </p:nvPr>
+        </p:nvSpPr>
+        <p:spPr/>
+        <p:txBody>
+          <a:bodyPr/>
+          <a:lstStyle/>
+          <a:p>
+            <a:fld id="{8BB75A4D-A1BD-46CD-83C2-E3353C6CC843}" type="slidenum">
+              <a:rPr lang="en-US" smtClean="0"/>
+              <a:t>11</a:t>
+            </a:fld>
+            <a:endParaRPr lang="en-US"/>
+          </a:p>
+        </p:txBody>
+      </p:sp>
+    </p:spTree>
+    <p:extLst>
+      <p:ext uri="{BB962C8B-B14F-4D97-AF65-F5344CB8AC3E}">
+        <p14:creationId xmlns:p14="http://schemas.microsoft.com/office/powerpoint/2010/main" val="3839246301"/>
+      </p:ext>
+    </p:extLst>
+  </p:cSld>
+  <p:clrMapOvr>
+    <a:masterClrMapping/>
+  </p:clrMapOvr>
+</p:notes>
+</file>
+
+<file path=ppt/notesSlides/notesSlide2.xml><?xml version="1.0" encoding="utf-8"?>
+<p:notes xmlns:a="http://schemas.openxmlformats.org/drawingml/2006/main" xmlns:r="http://schemas.openxmlformats.org/officeDocument/2006/relationships" xmlns:p="http://schemas.openxmlformats.org/presentationml/2006/main">
+  <p:cSld>
+    <p:spTree>
+      <p:nvGrpSpPr>
+        <p:cNvPr id="1" name=""/>
+        <p:cNvGrpSpPr/>
+        <p:nvPr/>
+      </p:nvGrpSpPr>
+      <p:grpSpPr>
+        <a:xfrm>
+          <a:off x="0" y="0"/>
+          <a:ext cx="0" cy="0"/>
+          <a:chOff x="0" y="0"/>
+          <a:chExt cx="0" cy="0"/>
+        </a:xfrm>
+      </p:grpSpPr>
+      <p:sp>
+        <p:nvSpPr>
+          <p:cNvPr id="2" name="Slide Image Placeholder 1"/>
+          <p:cNvSpPr>
+            <a:spLocks noGrp="1" noRot="1" noChangeAspect="1"/>
+          </p:cNvSpPr>
+          <p:nvPr>
+            <p:ph type="sldImg"/>
+          </p:nvPr>
+        </p:nvSpPr>
+        <p:spPr/>
+      </p:sp>
+      <p:sp>
+        <p:nvSpPr>
+          <p:cNvPr id="3" name="Notes Placeholder 2"/>
+          <p:cNvSpPr>
+            <a:spLocks noGrp="1"/>
+          </p:cNvSpPr>
+          <p:nvPr>
+            <p:ph type="body" idx="1"/>
+          </p:nvPr>
+        </p:nvSpPr>
+        <p:spPr/>
+        <p:txBody>
+          <a:bodyPr/>
+          <a:lstStyle/>
+          <a:p>
+            <a:r>
+              <a:rPr lang="en-US" dirty="0" smtClean="0"/>
+              <a:t>Fernando</a:t>
+            </a:r>
+            <a:endParaRPr lang="en-US" dirty="0"/>
+          </a:p>
+        </p:txBody>
+      </p:sp>
+      <p:sp>
+        <p:nvSpPr>
+          <p:cNvPr id="4" name="Slide Number Placeholder 3"/>
+          <p:cNvSpPr>
+            <a:spLocks noGrp="1"/>
+          </p:cNvSpPr>
+          <p:nvPr>
+            <p:ph type="sldNum" sz="quarter" idx="10"/>
+          </p:nvPr>
+        </p:nvSpPr>
+        <p:spPr/>
+        <p:txBody>
+          <a:bodyPr/>
+          <a:lstStyle/>
+          <a:p>
+            <a:fld id="{8BB75A4D-A1BD-46CD-83C2-E3353C6CC843}" type="slidenum">
+              <a:rPr lang="en-US" smtClean="0"/>
+              <a:t>2</a:t>
+            </a:fld>
+            <a:endParaRPr lang="en-US"/>
+          </a:p>
+        </p:txBody>
+      </p:sp>
+    </p:spTree>
+    <p:extLst>
+      <p:ext uri="{BB962C8B-B14F-4D97-AF65-F5344CB8AC3E}">
+        <p14:creationId xmlns:p14="http://schemas.microsoft.com/office/powerpoint/2010/main" val="3019986551"/>
+      </p:ext>
+    </p:extLst>
+  </p:cSld>
+  <p:clrMapOvr>
+    <a:masterClrMapping/>
+  </p:clrMapOvr>
+</p:notes>
+</file>
+
+<file path=ppt/notesSlides/notesSlide3.xml><?xml version="1.0" encoding="utf-8"?>
+<p:notes xmlns:a="http://schemas.openxmlformats.org/drawingml/2006/main" xmlns:r="http://schemas.openxmlformats.org/officeDocument/2006/relationships" xmlns:p="http://schemas.openxmlformats.org/presentationml/2006/main">
+  <p:cSld>
+    <p:spTree>
+      <p:nvGrpSpPr>
+        <p:cNvPr id="1" name=""/>
+        <p:cNvGrpSpPr/>
+        <p:nvPr/>
+      </p:nvGrpSpPr>
+      <p:grpSpPr>
+        <a:xfrm>
+          <a:off x="0" y="0"/>
+          <a:ext cx="0" cy="0"/>
+          <a:chOff x="0" y="0"/>
+          <a:chExt cx="0" cy="0"/>
+        </a:xfrm>
+      </p:grpSpPr>
+      <p:sp>
+        <p:nvSpPr>
+          <p:cNvPr id="2" name="Slide Image Placeholder 1"/>
+          <p:cNvSpPr>
+            <a:spLocks noGrp="1" noRot="1" noChangeAspect="1"/>
+          </p:cNvSpPr>
+          <p:nvPr>
+            <p:ph type="sldImg"/>
+          </p:nvPr>
+        </p:nvSpPr>
+        <p:spPr/>
+      </p:sp>
+      <p:sp>
+        <p:nvSpPr>
+          <p:cNvPr id="3" name="Notes Placeholder 2"/>
+          <p:cNvSpPr>
+            <a:spLocks noGrp="1"/>
+          </p:cNvSpPr>
+          <p:nvPr>
+            <p:ph type="body" idx="1"/>
+          </p:nvPr>
+        </p:nvSpPr>
+        <p:spPr/>
+        <p:txBody>
+          <a:bodyPr/>
+          <a:lstStyle/>
+          <a:p>
+            <a:r>
+              <a:rPr lang="en-US" dirty="0" smtClean="0"/>
+              <a:t>Ahsan</a:t>
+            </a:r>
+            <a:endParaRPr lang="en-US" dirty="0"/>
+          </a:p>
+        </p:txBody>
+      </p:sp>
+      <p:sp>
+        <p:nvSpPr>
+          <p:cNvPr id="4" name="Slide Number Placeholder 3"/>
+          <p:cNvSpPr>
+            <a:spLocks noGrp="1"/>
+          </p:cNvSpPr>
+          <p:nvPr>
+            <p:ph type="sldNum" sz="quarter" idx="10"/>
+          </p:nvPr>
+        </p:nvSpPr>
+        <p:spPr/>
+        <p:txBody>
+          <a:bodyPr/>
+          <a:lstStyle/>
+          <a:p>
+            <a:fld id="{8BB75A4D-A1BD-46CD-83C2-E3353C6CC843}" type="slidenum">
+              <a:rPr lang="en-US" smtClean="0"/>
+              <a:t>3</a:t>
+            </a:fld>
+            <a:endParaRPr lang="en-US"/>
+          </a:p>
+        </p:txBody>
+      </p:sp>
+    </p:spTree>
+    <p:extLst>
+      <p:ext uri="{BB962C8B-B14F-4D97-AF65-F5344CB8AC3E}">
+        <p14:creationId xmlns:p14="http://schemas.microsoft.com/office/powerpoint/2010/main" val="1333862997"/>
+      </p:ext>
+    </p:extLst>
+  </p:cSld>
+  <p:clrMapOvr>
+    <a:masterClrMapping/>
+  </p:clrMapOvr>
+</p:notes>
+</file>
+
+<file path=ppt/notesSlides/notesSlide4.xml><?xml version="1.0" encoding="utf-8"?>
+<p:notes xmlns:a="http://schemas.openxmlformats.org/drawingml/2006/main" xmlns:r="http://schemas.openxmlformats.org/officeDocument/2006/relationships" xmlns:p="http://schemas.openxmlformats.org/presentationml/2006/main">
+  <p:cSld>
+    <p:spTree>
+      <p:nvGrpSpPr>
+        <p:cNvPr id="1" name=""/>
+        <p:cNvGrpSpPr/>
+        <p:nvPr/>
+      </p:nvGrpSpPr>
+      <p:grpSpPr>
+        <a:xfrm>
+          <a:off x="0" y="0"/>
+          <a:ext cx="0" cy="0"/>
+          <a:chOff x="0" y="0"/>
+          <a:chExt cx="0" cy="0"/>
+        </a:xfrm>
+      </p:grpSpPr>
+      <p:sp>
+        <p:nvSpPr>
+          <p:cNvPr id="2" name="Slide Image Placeholder 1"/>
+          <p:cNvSpPr>
+            <a:spLocks noGrp="1" noRot="1" noChangeAspect="1"/>
+          </p:cNvSpPr>
+          <p:nvPr>
+            <p:ph type="sldImg"/>
+          </p:nvPr>
+        </p:nvSpPr>
+        <p:spPr/>
+      </p:sp>
+      <p:sp>
+        <p:nvSpPr>
+          <p:cNvPr id="3" name="Notes Placeholder 2"/>
+          <p:cNvSpPr>
+            <a:spLocks noGrp="1"/>
+          </p:cNvSpPr>
+          <p:nvPr>
+            <p:ph type="body" idx="1"/>
+          </p:nvPr>
+        </p:nvSpPr>
+        <p:spPr/>
+        <p:txBody>
+          <a:bodyPr/>
+          <a:lstStyle/>
+          <a:p>
+            <a:r>
+              <a:rPr lang="en-US" dirty="0" smtClean="0"/>
+              <a:t>Ali</a:t>
+            </a:r>
+            <a:endParaRPr lang="en-US" dirty="0"/>
+          </a:p>
+        </p:txBody>
+      </p:sp>
+      <p:sp>
+        <p:nvSpPr>
+          <p:cNvPr id="4" name="Slide Number Placeholder 3"/>
+          <p:cNvSpPr>
+            <a:spLocks noGrp="1"/>
+          </p:cNvSpPr>
+          <p:nvPr>
+            <p:ph type="sldNum" sz="quarter" idx="10"/>
+          </p:nvPr>
+        </p:nvSpPr>
+        <p:spPr/>
+        <p:txBody>
+          <a:bodyPr/>
+          <a:lstStyle/>
+          <a:p>
+            <a:fld id="{8BB75A4D-A1BD-46CD-83C2-E3353C6CC843}" type="slidenum">
+              <a:rPr lang="en-US" smtClean="0"/>
+              <a:t>4</a:t>
+            </a:fld>
+            <a:endParaRPr lang="en-US"/>
+          </a:p>
+        </p:txBody>
+      </p:sp>
+    </p:spTree>
+    <p:extLst>
+      <p:ext uri="{BB962C8B-B14F-4D97-AF65-F5344CB8AC3E}">
+        <p14:creationId xmlns:p14="http://schemas.microsoft.com/office/powerpoint/2010/main" val="1911923869"/>
+      </p:ext>
+    </p:extLst>
+  </p:cSld>
+  <p:clrMapOvr>
+    <a:masterClrMapping/>
+  </p:clrMapOvr>
+</p:notes>
+</file>
+
+<file path=ppt/notesSlides/notesSlide5.xml><?xml version="1.0" encoding="utf-8"?>
+<p:notes xmlns:a="http://schemas.openxmlformats.org/drawingml/2006/main" xmlns:r="http://schemas.openxmlformats.org/officeDocument/2006/relationships" xmlns:p="http://schemas.openxmlformats.org/presentationml/2006/main">
+  <p:cSld>
+    <p:spTree>
+      <p:nvGrpSpPr>
+        <p:cNvPr id="1" name=""/>
+        <p:cNvGrpSpPr/>
+        <p:nvPr/>
+      </p:nvGrpSpPr>
+      <p:grpSpPr>
+        <a:xfrm>
+          <a:off x="0" y="0"/>
+          <a:ext cx="0" cy="0"/>
+          <a:chOff x="0" y="0"/>
+          <a:chExt cx="0" cy="0"/>
+        </a:xfrm>
+      </p:grpSpPr>
+      <p:sp>
+        <p:nvSpPr>
+          <p:cNvPr id="2" name="Slide Image Placeholder 1"/>
+          <p:cNvSpPr>
+            <a:spLocks noGrp="1" noRot="1" noChangeAspect="1"/>
+          </p:cNvSpPr>
+          <p:nvPr>
+            <p:ph type="sldImg"/>
+          </p:nvPr>
+        </p:nvSpPr>
+        <p:spPr/>
+      </p:sp>
+      <p:sp>
+        <p:nvSpPr>
+          <p:cNvPr id="3" name="Notes Placeholder 2"/>
+          <p:cNvSpPr>
+            <a:spLocks noGrp="1"/>
+          </p:cNvSpPr>
+          <p:nvPr>
+            <p:ph type="body" idx="1"/>
+          </p:nvPr>
+        </p:nvSpPr>
+        <p:spPr/>
+        <p:txBody>
+          <a:bodyPr/>
+          <a:lstStyle/>
+          <a:p>
+            <a:r>
+              <a:rPr lang="en-US" dirty="0" smtClean="0"/>
+              <a:t>Ahsan</a:t>
+            </a:r>
+            <a:endParaRPr lang="en-US" dirty="0"/>
+          </a:p>
+        </p:txBody>
+      </p:sp>
+      <p:sp>
+        <p:nvSpPr>
+          <p:cNvPr id="4" name="Slide Number Placeholder 3"/>
+          <p:cNvSpPr>
+            <a:spLocks noGrp="1"/>
+          </p:cNvSpPr>
+          <p:nvPr>
+            <p:ph type="sldNum" sz="quarter" idx="10"/>
+          </p:nvPr>
+        </p:nvSpPr>
+        <p:spPr/>
+        <p:txBody>
+          <a:bodyPr/>
+          <a:lstStyle/>
+          <a:p>
+            <a:fld id="{8BB75A4D-A1BD-46CD-83C2-E3353C6CC843}" type="slidenum">
+              <a:rPr lang="en-US" smtClean="0"/>
+              <a:t>5</a:t>
+            </a:fld>
+            <a:endParaRPr lang="en-US"/>
+          </a:p>
+        </p:txBody>
+      </p:sp>
+    </p:spTree>
+    <p:extLst>
+      <p:ext uri="{BB962C8B-B14F-4D97-AF65-F5344CB8AC3E}">
+        <p14:creationId xmlns:p14="http://schemas.microsoft.com/office/powerpoint/2010/main" val="2339077577"/>
+      </p:ext>
+    </p:extLst>
+  </p:cSld>
+  <p:clrMapOvr>
+    <a:masterClrMapping/>
+  </p:clrMapOvr>
+</p:notes>
+</file>
+
+<file path=ppt/notesSlides/notesSlide6.xml><?xml version="1.0" encoding="utf-8"?>
+<p:notes xmlns:a="http://schemas.openxmlformats.org/drawingml/2006/main" xmlns:r="http://schemas.openxmlformats.org/officeDocument/2006/relationships" xmlns:p="http://schemas.openxmlformats.org/presentationml/2006/main">
+  <p:cSld>
+    <p:spTree>
+      <p:nvGrpSpPr>
+        <p:cNvPr id="1" name=""/>
+        <p:cNvGrpSpPr/>
+        <p:nvPr/>
+      </p:nvGrpSpPr>
+      <p:grpSpPr>
+        <a:xfrm>
+          <a:off x="0" y="0"/>
+          <a:ext cx="0" cy="0"/>
+          <a:chOff x="0" y="0"/>
+          <a:chExt cx="0" cy="0"/>
+        </a:xfrm>
+      </p:grpSpPr>
+      <p:sp>
+        <p:nvSpPr>
+          <p:cNvPr id="2" name="Slide Image Placeholder 1"/>
+          <p:cNvSpPr>
+            <a:spLocks noGrp="1" noRot="1" noChangeAspect="1"/>
+          </p:cNvSpPr>
+          <p:nvPr>
+            <p:ph type="sldImg"/>
+          </p:nvPr>
+        </p:nvSpPr>
+        <p:spPr/>
+      </p:sp>
+      <p:sp>
+        <p:nvSpPr>
+          <p:cNvPr id="3" name="Notes Placeholder 2"/>
+          <p:cNvSpPr>
+            <a:spLocks noGrp="1"/>
+          </p:cNvSpPr>
+          <p:nvPr>
+            <p:ph type="body" idx="1"/>
+          </p:nvPr>
+        </p:nvSpPr>
+        <p:spPr/>
+        <p:txBody>
+          <a:bodyPr/>
+          <a:lstStyle/>
+          <a:p>
+            <a:r>
+              <a:rPr lang="en-US" dirty="0" smtClean="0"/>
+              <a:t>Ali</a:t>
+            </a:r>
+            <a:endParaRPr lang="en-US" dirty="0"/>
+          </a:p>
+        </p:txBody>
+      </p:sp>
+      <p:sp>
+        <p:nvSpPr>
+          <p:cNvPr id="4" name="Slide Number Placeholder 3"/>
+          <p:cNvSpPr>
+            <a:spLocks noGrp="1"/>
+          </p:cNvSpPr>
+          <p:nvPr>
+            <p:ph type="sldNum" sz="quarter" idx="10"/>
+          </p:nvPr>
+        </p:nvSpPr>
+        <p:spPr/>
+        <p:txBody>
+          <a:bodyPr/>
+          <a:lstStyle/>
+          <a:p>
+            <a:fld id="{8BB75A4D-A1BD-46CD-83C2-E3353C6CC843}" type="slidenum">
+              <a:rPr lang="en-US" smtClean="0"/>
+              <a:t>6</a:t>
+            </a:fld>
+            <a:endParaRPr lang="en-US"/>
+          </a:p>
+        </p:txBody>
+      </p:sp>
+    </p:spTree>
+    <p:extLst>
+      <p:ext uri="{BB962C8B-B14F-4D97-AF65-F5344CB8AC3E}">
+        <p14:creationId xmlns:p14="http://schemas.microsoft.com/office/powerpoint/2010/main" val="1820266665"/>
+      </p:ext>
+    </p:extLst>
+  </p:cSld>
+  <p:clrMapOvr>
+    <a:masterClrMapping/>
+  </p:clrMapOvr>
+</p:notes>
+</file>
+
+<file path=ppt/notesSlides/notesSlide7.xml><?xml version="1.0" encoding="utf-8"?>
+<p:notes xmlns:a="http://schemas.openxmlformats.org/drawingml/2006/main" xmlns:r="http://schemas.openxmlformats.org/officeDocument/2006/relationships" xmlns:p="http://schemas.openxmlformats.org/presentationml/2006/main">
+  <p:cSld>
+    <p:spTree>
+      <p:nvGrpSpPr>
+        <p:cNvPr id="1" name=""/>
+        <p:cNvGrpSpPr/>
+        <p:nvPr/>
+      </p:nvGrpSpPr>
+      <p:grpSpPr>
+        <a:xfrm>
+          <a:off x="0" y="0"/>
+          <a:ext cx="0" cy="0"/>
+          <a:chOff x="0" y="0"/>
+          <a:chExt cx="0" cy="0"/>
+        </a:xfrm>
+      </p:grpSpPr>
+      <p:sp>
+        <p:nvSpPr>
+          <p:cNvPr id="2" name="Slide Image Placeholder 1"/>
+          <p:cNvSpPr>
+            <a:spLocks noGrp="1" noRot="1" noChangeAspect="1"/>
+          </p:cNvSpPr>
+          <p:nvPr>
+            <p:ph type="sldImg"/>
+          </p:nvPr>
+        </p:nvSpPr>
+        <p:spPr/>
+      </p:sp>
+      <p:sp>
+        <p:nvSpPr>
+          <p:cNvPr id="3" name="Notes Placeholder 2"/>
+          <p:cNvSpPr>
+            <a:spLocks noGrp="1"/>
+          </p:cNvSpPr>
+          <p:nvPr>
+            <p:ph type="body" idx="1"/>
+          </p:nvPr>
+        </p:nvSpPr>
+        <p:spPr/>
+        <p:txBody>
+          <a:bodyPr/>
+          <a:lstStyle/>
+          <a:p>
+            <a:r>
+              <a:rPr lang="en-US" dirty="0" smtClean="0"/>
+              <a:t>Ahsan</a:t>
+            </a:r>
+            <a:endParaRPr lang="en-US" dirty="0"/>
+          </a:p>
+        </p:txBody>
+      </p:sp>
+      <p:sp>
+        <p:nvSpPr>
+          <p:cNvPr id="4" name="Slide Number Placeholder 3"/>
+          <p:cNvSpPr>
+            <a:spLocks noGrp="1"/>
+          </p:cNvSpPr>
+          <p:nvPr>
+            <p:ph type="sldNum" sz="quarter" idx="10"/>
+          </p:nvPr>
+        </p:nvSpPr>
+        <p:spPr/>
+        <p:txBody>
+          <a:bodyPr/>
+          <a:lstStyle/>
+          <a:p>
+            <a:fld id="{8BB75A4D-A1BD-46CD-83C2-E3353C6CC843}" type="slidenum">
+              <a:rPr lang="en-US" smtClean="0"/>
+              <a:t>7</a:t>
+            </a:fld>
+            <a:endParaRPr lang="en-US"/>
+          </a:p>
+        </p:txBody>
+      </p:sp>
+    </p:spTree>
+    <p:extLst>
+      <p:ext uri="{BB962C8B-B14F-4D97-AF65-F5344CB8AC3E}">
+        <p14:creationId xmlns:p14="http://schemas.microsoft.com/office/powerpoint/2010/main" val="601702000"/>
+      </p:ext>
+    </p:extLst>
+  </p:cSld>
+  <p:clrMapOvr>
+    <a:masterClrMapping/>
+  </p:clrMapOvr>
+</p:notes>
+</file>
+
+<file path=ppt/notesSlides/notesSlide8.xml><?xml version="1.0" encoding="utf-8"?>
+<p:notes xmlns:a="http://schemas.openxmlformats.org/drawingml/2006/main" xmlns:r="http://schemas.openxmlformats.org/officeDocument/2006/relationships" xmlns:p="http://schemas.openxmlformats.org/presentationml/2006/main">
+  <p:cSld>
+    <p:spTree>
+      <p:nvGrpSpPr>
+        <p:cNvPr id="1" name=""/>
+        <p:cNvGrpSpPr/>
+        <p:nvPr/>
+      </p:nvGrpSpPr>
+      <p:grpSpPr>
+        <a:xfrm>
+          <a:off x="0" y="0"/>
+          <a:ext cx="0" cy="0"/>
+          <a:chOff x="0" y="0"/>
+          <a:chExt cx="0" cy="0"/>
+        </a:xfrm>
+      </p:grpSpPr>
+      <p:sp>
+        <p:nvSpPr>
+          <p:cNvPr id="2" name="Slide Image Placeholder 1"/>
+          <p:cNvSpPr>
+            <a:spLocks noGrp="1" noRot="1" noChangeAspect="1"/>
+          </p:cNvSpPr>
+          <p:nvPr>
+            <p:ph type="sldImg"/>
+          </p:nvPr>
+        </p:nvSpPr>
+        <p:spPr/>
+      </p:sp>
+      <p:sp>
+        <p:nvSpPr>
+          <p:cNvPr id="3" name="Notes Placeholder 2"/>
+          <p:cNvSpPr>
+            <a:spLocks noGrp="1"/>
+          </p:cNvSpPr>
+          <p:nvPr>
+            <p:ph type="body" idx="1"/>
+          </p:nvPr>
+        </p:nvSpPr>
+        <p:spPr/>
+        <p:txBody>
+          <a:bodyPr/>
+          <a:lstStyle/>
+          <a:p>
+            <a:r>
+              <a:rPr lang="en-US" dirty="0" smtClean="0"/>
+              <a:t>Fernando</a:t>
+            </a:r>
+            <a:endParaRPr lang="en-US" dirty="0"/>
+          </a:p>
+        </p:txBody>
+      </p:sp>
+      <p:sp>
+        <p:nvSpPr>
+          <p:cNvPr id="4" name="Slide Number Placeholder 3"/>
+          <p:cNvSpPr>
+            <a:spLocks noGrp="1"/>
+          </p:cNvSpPr>
+          <p:nvPr>
+            <p:ph type="sldNum" sz="quarter" idx="10"/>
+          </p:nvPr>
+        </p:nvSpPr>
+        <p:spPr/>
+        <p:txBody>
+          <a:bodyPr/>
+          <a:lstStyle/>
+          <a:p>
+            <a:fld id="{8BB75A4D-A1BD-46CD-83C2-E3353C6CC843}" type="slidenum">
+              <a:rPr lang="en-US" smtClean="0"/>
+              <a:t>8</a:t>
+            </a:fld>
+            <a:endParaRPr lang="en-US"/>
+          </a:p>
+        </p:txBody>
+      </p:sp>
+    </p:spTree>
+    <p:extLst>
+      <p:ext uri="{BB962C8B-B14F-4D97-AF65-F5344CB8AC3E}">
+        <p14:creationId xmlns:p14="http://schemas.microsoft.com/office/powerpoint/2010/main" val="1863768328"/>
+      </p:ext>
+    </p:extLst>
+  </p:cSld>
+  <p:clrMapOvr>
+    <a:masterClrMapping/>
+  </p:clrMapOvr>
+</p:notes>
+</file>
+
+<file path=ppt/notesSlides/notesSlide9.xml><?xml version="1.0" encoding="utf-8"?>
+<p:notes xmlns:a="http://schemas.openxmlformats.org/drawingml/2006/main" xmlns:r="http://schemas.openxmlformats.org/officeDocument/2006/relationships" xmlns:p="http://schemas.openxmlformats.org/presentationml/2006/main">
+  <p:cSld>
+    <p:spTree>
+      <p:nvGrpSpPr>
+        <p:cNvPr id="1" name=""/>
+        <p:cNvGrpSpPr/>
+        <p:nvPr/>
+      </p:nvGrpSpPr>
+      <p:grpSpPr>
+        <a:xfrm>
+          <a:off x="0" y="0"/>
+          <a:ext cx="0" cy="0"/>
+          <a:chOff x="0" y="0"/>
+          <a:chExt cx="0" cy="0"/>
+        </a:xfrm>
+      </p:grpSpPr>
+      <p:sp>
+        <p:nvSpPr>
+          <p:cNvPr id="2" name="Slide Image Placeholder 1"/>
+          <p:cNvSpPr>
+            <a:spLocks noGrp="1" noRot="1" noChangeAspect="1"/>
+          </p:cNvSpPr>
+          <p:nvPr>
+            <p:ph type="sldImg"/>
+          </p:nvPr>
+        </p:nvSpPr>
+        <p:spPr/>
+      </p:sp>
+      <p:sp>
+        <p:nvSpPr>
+          <p:cNvPr id="3" name="Notes Placeholder 2"/>
+          <p:cNvSpPr>
+            <a:spLocks noGrp="1"/>
+          </p:cNvSpPr>
+          <p:nvPr>
+            <p:ph type="body" idx="1"/>
+          </p:nvPr>
+        </p:nvSpPr>
+        <p:spPr/>
+        <p:txBody>
+          <a:bodyPr/>
+          <a:lstStyle/>
+          <a:p>
+            <a:r>
+              <a:rPr lang="en-US" dirty="0" smtClean="0"/>
+              <a:t>Fernando</a:t>
+            </a:r>
+            <a:endParaRPr lang="en-US" dirty="0"/>
+          </a:p>
+        </p:txBody>
+      </p:sp>
+      <p:sp>
+        <p:nvSpPr>
+          <p:cNvPr id="4" name="Slide Number Placeholder 3"/>
+          <p:cNvSpPr>
+            <a:spLocks noGrp="1"/>
+          </p:cNvSpPr>
+          <p:nvPr>
+            <p:ph type="sldNum" sz="quarter" idx="10"/>
+          </p:nvPr>
+        </p:nvSpPr>
+        <p:spPr/>
+        <p:txBody>
+          <a:bodyPr/>
+          <a:lstStyle/>
+          <a:p>
+            <a:fld id="{8BB75A4D-A1BD-46CD-83C2-E3353C6CC843}" type="slidenum">
+              <a:rPr lang="en-US" smtClean="0"/>
+              <a:t>9</a:t>
+            </a:fld>
+            <a:endParaRPr lang="en-US"/>
+          </a:p>
+        </p:txBody>
+      </p:sp>
+    </p:spTree>
+    <p:extLst>
+      <p:ext uri="{BB962C8B-B14F-4D97-AF65-F5344CB8AC3E}">
+        <p14:creationId xmlns:p14="http://schemas.microsoft.com/office/powerpoint/2010/main" val="2344724539"/>
+      </p:ext>
+    </p:extLst>
+  </p:cSld>
+  <p:clrMapOvr>
+    <a:masterClrMapping/>
+  </p:clrMapOvr>
+</p:notes>
 </file>
 
 <file path=ppt/slideLayouts/slideLayout1.xml><?xml version="1.0" encoding="utf-8"?>
@@ -4023,7 +5344,7 @@
           <p:nvPr/>
         </p:nvPicPr>
         <p:blipFill rotWithShape="1">
-          <a:blip r:embed="rId2"/>
+          <a:blip r:embed="rId3"/>
           <a:srcRect l="16251" t="18765" r="16145" b="9896"/>
           <a:stretch/>
         </p:blipFill>
@@ -4046,7 +5367,7 @@
           <p:nvPr/>
         </p:nvPicPr>
         <p:blipFill rotWithShape="1">
-          <a:blip r:embed="rId3"/>
+          <a:blip r:embed="rId4"/>
           <a:srcRect l="16042" t="18957" r="15833" b="9704"/>
           <a:stretch/>
         </p:blipFill>
@@ -4192,7 +5513,7 @@
             </a:r>
             <a:r>
               <a:rPr lang="en-US" u="sng" dirty="0">
-                <a:hlinkClick r:id="rId2"/>
+                <a:hlinkClick r:id="rId3"/>
               </a:rPr>
               <a:t>https://link.springer.com/article/10.1023/A:1006529012972</a:t>
             </a:r>
@@ -4754,7 +6075,7 @@
           <p:nvPr/>
         </p:nvPicPr>
         <p:blipFill rotWithShape="1">
-          <a:blip r:embed="rId2">
+          <a:blip r:embed="rId3">
             <a:clrChange>
               <a:clrFrom>
                 <a:srgbClr val="FFFFFF"/>
@@ -4855,14 +6176,21 @@
             <p:ph idx="1"/>
           </p:nvPr>
         </p:nvSpPr>
-        <p:spPr/>
-        <p:txBody>
-          <a:bodyPr/>
+        <p:spPr>
+          <a:xfrm>
+            <a:off x="1371600" y="1333500"/>
+            <a:ext cx="10414000" cy="5435600"/>
+          </a:xfrm>
+        </p:spPr>
+        <p:txBody>
+          <a:bodyPr>
+            <a:normAutofit/>
+          </a:bodyPr>
           <a:lstStyle/>
           <a:p>
             <a:r>
-              <a:rPr lang="en-US" dirty="0"/>
-              <a:t>List </a:t>
+              <a:rPr lang="en-US" dirty="0" smtClean="0"/>
+              <a:t>List/Path </a:t>
             </a:r>
             <a:r>
               <a:rPr lang="en-US" dirty="0" smtClean="0"/>
@@ -4881,8 +6209,43 @@
             </a:r>
             <a:r>
               <a:rPr lang="en-US" dirty="0"/>
-              <a:t>order of a subset of cities of 1 parent is imposed on the other parent</a:t>
-            </a:r>
+              <a:t>order of a subset of cities of 1 parent is imposed on the other </a:t>
+            </a:r>
+            <a:r>
+              <a:rPr lang="en-US" dirty="0" smtClean="0"/>
+              <a:t>parent					[3]</a:t>
+            </a:r>
+          </a:p>
+          <a:p>
+            <a:pPr lvl="1"/>
+            <a:endParaRPr lang="en-US" dirty="0"/>
+          </a:p>
+          <a:p>
+            <a:pPr lvl="1"/>
+            <a:endParaRPr lang="en-US" dirty="0" smtClean="0"/>
+          </a:p>
+          <a:p>
+            <a:pPr lvl="1"/>
+            <a:endParaRPr lang="en-US" dirty="0"/>
+          </a:p>
+          <a:p>
+            <a:pPr lvl="1"/>
+            <a:endParaRPr lang="en-US" dirty="0" smtClean="0"/>
+          </a:p>
+          <a:p>
+            <a:pPr marL="530352" lvl="1" indent="0">
+              <a:buNone/>
+            </a:pPr>
+            <a:r>
+              <a:rPr lang="en-US" dirty="0" smtClean="0"/>
+              <a:t>                                                                                                                               [3]</a:t>
+            </a:r>
+            <a:endParaRPr lang="en-US" dirty="0"/>
+          </a:p>
+          <a:p>
+            <a:pPr marL="3273552" lvl="7" indent="0">
+              <a:buNone/>
+            </a:pPr>
             <a:endParaRPr lang="en-US" dirty="0" smtClean="0"/>
           </a:p>
           <a:p>
@@ -4899,14 +6262,35 @@
               <a:rPr lang="en-US" dirty="0" smtClean="0"/>
               <a:t>dge Recombination: </a:t>
             </a:r>
+            <a:endParaRPr lang="en-US" dirty="0" smtClean="0"/>
+          </a:p>
+          <a:p>
+            <a:pPr marL="530352" lvl="1" indent="0">
+              <a:buNone/>
+            </a:pPr>
             <a:r>
               <a:rPr lang="en-US" dirty="0"/>
-              <a:t>“tries to preserve the edges of parents” [3]. </a:t>
+              <a:t>	</a:t>
+            </a:r>
+            <a:r>
+              <a:rPr lang="en-US" dirty="0" smtClean="0"/>
+              <a:t>“</a:t>
+            </a:r>
+            <a:r>
+              <a:rPr lang="en-US" dirty="0"/>
+              <a:t>tries to preserve the edges of parents” [3]. </a:t>
             </a:r>
             <a:r>
               <a:rPr lang="en-US" dirty="0" smtClean="0"/>
               <a:t> </a:t>
             </a:r>
+            <a:endParaRPr lang="en-US" dirty="0" smtClean="0"/>
+          </a:p>
+          <a:p>
+            <a:pPr marL="530352" lvl="1" indent="0">
+              <a:buNone/>
+            </a:pPr>
+            <a:endParaRPr lang="en-US" dirty="0" smtClean="0"/>
           </a:p>
           <a:p>
             <a:r>
@@ -4928,6 +6312,74 @@
           </a:p>
         </p:txBody>
       </p:sp>
+      <p:pic>
+        <p:nvPicPr>
+          <p:cNvPr id="4" name="Picture 3"/>
+          <p:cNvPicPr>
+            <a:picLocks noChangeAspect="1"/>
+          </p:cNvPicPr>
+          <p:nvPr/>
+        </p:nvPicPr>
+        <p:blipFill rotWithShape="1">
+          <a:blip r:embed="rId3">
+            <a:clrChange>
+              <a:clrFrom>
+                <a:srgbClr val="FEFEFE"/>
+              </a:clrFrom>
+              <a:clrTo>
+                <a:srgbClr val="FEFEFE">
+                  <a:alpha val="0"/>
+                </a:srgbClr>
+              </a:clrTo>
+            </a:clrChange>
+          </a:blip>
+          <a:srcRect l="35000" t="33805" r="34791" b="44408"/>
+          <a:stretch/>
+        </p:blipFill>
+        <p:spPr>
+          <a:xfrm>
+            <a:off x="3606800" y="1987549"/>
+            <a:ext cx="5181600" cy="2019037"/>
+          </a:xfrm>
+          <a:prstGeom prst="rect">
+            <a:avLst/>
+          </a:prstGeom>
+        </p:spPr>
+      </p:pic>
+      <p:pic>
+        <p:nvPicPr>
+          <p:cNvPr id="5" name="Picture 4"/>
+          <p:cNvPicPr>
+            <a:picLocks noChangeAspect="1"/>
+          </p:cNvPicPr>
+          <p:nvPr/>
+        </p:nvPicPr>
+        <p:blipFill rotWithShape="1">
+          <a:blip r:embed="rId4">
+            <a:clrChange>
+              <a:clrFrom>
+                <a:srgbClr val="FFFFFF"/>
+              </a:clrFrom>
+              <a:clrTo>
+                <a:srgbClr val="FFFFFF">
+                  <a:alpha val="0"/>
+                </a:srgbClr>
+              </a:clrTo>
+            </a:clrChange>
+          </a:blip>
+          <a:srcRect l="40416" t="29755" r="40417" b="43059"/>
+          <a:stretch/>
+        </p:blipFill>
+        <p:spPr>
+          <a:xfrm>
+            <a:off x="7670800" y="4006586"/>
+            <a:ext cx="3302000" cy="2530337"/>
+          </a:xfrm>
+          <a:prstGeom prst="rect">
+            <a:avLst/>
+          </a:prstGeom>
+        </p:spPr>
+      </p:pic>
     </p:spTree>
     <p:extLst>
       <p:ext uri="{BB962C8B-B14F-4D97-AF65-F5344CB8AC3E}">
@@ -5214,7 +6666,7 @@
                 <a:ext cx="9702800" cy="4089400"/>
               </a:xfrm>
               <a:blipFill rotWithShape="0">
-                <a:blip r:embed="rId2"/>
+                <a:blip r:embed="rId3"/>
                 <a:stretch>
                   <a:fillRect l="-565" t="-1192" r="-691"/>
                 </a:stretch>
@@ -5348,7 +6800,7 @@
           <p:nvPr/>
         </p:nvPicPr>
         <p:blipFill rotWithShape="1">
-          <a:blip r:embed="rId2" cstate="print">
+          <a:blip r:embed="rId3" cstate="print">
             <a:extLst>
               <a:ext uri="{28A0092B-C50C-407E-A947-70E740481C1C}">
                 <a14:useLocalDpi xmlns:a14="http://schemas.microsoft.com/office/drawing/2010/main" val="0"/>
@@ -5441,7 +6893,7 @@
           <p:nvPr/>
         </p:nvPicPr>
         <p:blipFill rotWithShape="1">
-          <a:blip r:embed="rId2" cstate="print">
+          <a:blip r:embed="rId3" cstate="print">
             <a:extLst>
               <a:ext uri="{28A0092B-C50C-407E-A947-70E740481C1C}">
                 <a14:useLocalDpi xmlns:a14="http://schemas.microsoft.com/office/drawing/2010/main" val="0"/>
@@ -5453,7 +6905,7 @@
         </p:blipFill>
         <p:spPr bwMode="auto">
           <a:xfrm>
-            <a:off x="279400" y="3327400"/>
+            <a:off x="571500" y="2253974"/>
             <a:ext cx="5854700" cy="3428999"/>
           </a:xfrm>
           <a:prstGeom prst="rect">
@@ -5476,7 +6928,7 @@
           <p:nvPr/>
         </p:nvPicPr>
         <p:blipFill rotWithShape="1">
-          <a:blip r:embed="rId3" cstate="print">
+          <a:blip r:embed="rId4" cstate="print">
             <a:extLst>
               <a:ext uri="{28A0092B-C50C-407E-A947-70E740481C1C}">
                 <a14:useLocalDpi xmlns:a14="http://schemas.microsoft.com/office/drawing/2010/main" val="0"/>
@@ -5488,7 +6940,7 @@
         </p:blipFill>
         <p:spPr bwMode="auto">
           <a:xfrm>
-            <a:off x="6362700" y="3327400"/>
+            <a:off x="6654800" y="2253974"/>
             <a:ext cx="5537200" cy="3428999"/>
           </a:xfrm>
           <a:prstGeom prst="rect">
@@ -5513,7 +6965,7 @@
         <p:spPr>
           <a:xfrm>
             <a:off x="990600" y="1346201"/>
-            <a:ext cx="10299700" cy="1870512"/>
+            <a:ext cx="10299700" cy="388696"/>
           </a:xfrm>
           <a:prstGeom prst="rect">
             <a:avLst/>
@@ -5539,15 +6991,7 @@
                 <a:ea typeface="Calibri" panose="020F0502020204030204" pitchFamily="34" charset="0"/>
                 <a:cs typeface="Times New Roman" panose="02020603050405020304" pitchFamily="18" charset="0"/>
               </a:rPr>
-              <a:t>Performance depended </a:t>
-            </a:r>
-            <a:r>
-              <a:rPr lang="en-US" dirty="0">
-                <a:latin typeface="Calibri" panose="020F0502020204030204" pitchFamily="34" charset="0"/>
-                <a:ea typeface="Calibri" panose="020F0502020204030204" pitchFamily="34" charset="0"/>
-                <a:cs typeface="Times New Roman" panose="02020603050405020304" pitchFamily="18" charset="0"/>
-              </a:rPr>
-              <a:t>on the input cities provided, different inputs will need different parameters and may </a:t>
+              <a:t>Performance </a:t>
             </a:r>
             <a:r>
               <a:rPr lang="en-US" dirty="0" smtClean="0">
@@ -5555,47 +6999,7 @@
                 <a:ea typeface="Calibri" panose="020F0502020204030204" pitchFamily="34" charset="0"/>
                 <a:cs typeface="Times New Roman" panose="02020603050405020304" pitchFamily="18" charset="0"/>
               </a:rPr>
-              <a:t>perform </a:t>
-            </a:r>
-            <a:r>
-              <a:rPr lang="en-US" dirty="0">
-                <a:latin typeface="Calibri" panose="020F0502020204030204" pitchFamily="34" charset="0"/>
-                <a:ea typeface="Calibri" panose="020F0502020204030204" pitchFamily="34" charset="0"/>
-                <a:cs typeface="Times New Roman" panose="02020603050405020304" pitchFamily="18" charset="0"/>
-              </a:rPr>
-              <a:t>better with different problem representations. In general the path representation with genetic edge recombination and insertion mutation is a good genetic algorithm for medium sized </a:t>
-            </a:r>
-            <a:r>
-              <a:rPr lang="en-US" dirty="0" smtClean="0">
-                <a:latin typeface="Calibri" panose="020F0502020204030204" pitchFamily="34" charset="0"/>
-                <a:ea typeface="Calibri" panose="020F0502020204030204" pitchFamily="34" charset="0"/>
-                <a:cs typeface="Times New Roman" panose="02020603050405020304" pitchFamily="18" charset="0"/>
-              </a:rPr>
-              <a:t>TSP. </a:t>
-            </a:r>
-            <a:r>
-              <a:rPr lang="en-US" dirty="0">
-                <a:latin typeface="Calibri" panose="020F0502020204030204" pitchFamily="34" charset="0"/>
-                <a:ea typeface="Calibri" panose="020F0502020204030204" pitchFamily="34" charset="0"/>
-                <a:cs typeface="Times New Roman" panose="02020603050405020304" pitchFamily="18" charset="0"/>
-              </a:rPr>
-              <a:t>A GA with an extremely small population and many generations may perform well on problems with a large amount of cities. The ordinal representation searches the search space almost randomly, however, the GA proves it is not fully random. </a:t>
-            </a:r>
-            <a:r>
-              <a:rPr lang="en-US" dirty="0" smtClean="0">
-                <a:latin typeface="Calibri" panose="020F0502020204030204" pitchFamily="34" charset="0"/>
-                <a:ea typeface="Calibri" panose="020F0502020204030204" pitchFamily="34" charset="0"/>
-                <a:cs typeface="Times New Roman" panose="02020603050405020304" pitchFamily="18" charset="0"/>
-              </a:rPr>
-              <a:t>Furthermore</a:t>
-            </a:r>
-            <a:r>
-              <a:rPr lang="en-US" dirty="0">
-                <a:latin typeface="Calibri" panose="020F0502020204030204" pitchFamily="34" charset="0"/>
-                <a:ea typeface="Calibri" panose="020F0502020204030204" pitchFamily="34" charset="0"/>
-                <a:cs typeface="Times New Roman" panose="02020603050405020304" pitchFamily="18" charset="0"/>
-              </a:rPr>
-              <a:t>, the parameters and representation may need tuning to the specific input.</a:t>
+              <a:t>is highly dependent on the specific cities.</a:t>
             </a:r>
             <a:endParaRPr lang="en-US" dirty="0">
               <a:effectLst/>
@@ -5673,7 +7077,7 @@
           <p:nvPr/>
         </p:nvPicPr>
         <p:blipFill rotWithShape="1">
-          <a:blip r:embed="rId2"/>
+          <a:blip r:embed="rId3"/>
           <a:srcRect l="16354" t="18765" r="15833" b="10089"/>
           <a:stretch/>
         </p:blipFill>
@@ -5696,7 +7100,7 @@
           <p:nvPr/>
         </p:nvPicPr>
         <p:blipFill rotWithShape="1">
-          <a:blip r:embed="rId3"/>
+          <a:blip r:embed="rId4"/>
           <a:srcRect l="16251" t="18958" r="16249" b="9704"/>
           <a:stretch/>
         </p:blipFill>
@@ -5828,7 +7232,7 @@
           <p:nvPr/>
         </p:nvPicPr>
         <p:blipFill rotWithShape="1">
-          <a:blip r:embed="rId2"/>
+          <a:blip r:embed="rId3"/>
           <a:srcRect l="16250" t="18958" r="16041" b="9704"/>
           <a:stretch/>
         </p:blipFill>
@@ -5851,7 +7255,7 @@
           <p:nvPr/>
         </p:nvPicPr>
         <p:blipFill rotWithShape="1">
-          <a:blip r:embed="rId3"/>
+          <a:blip r:embed="rId4"/>
           <a:srcRect l="16250" t="18572" r="16041" b="9704"/>
           <a:stretch/>
         </p:blipFill>
@@ -6164,4 +7568,265 @@
     </a:ext>
   </a:extLst>
 </a:theme>
+</file>
+
+<file path=ppt/theme/theme2.xml><?xml version="1.0" encoding="utf-8"?>
+<a:theme xmlns:a="http://schemas.openxmlformats.org/drawingml/2006/main" name="Office Theme">
+  <a:themeElements>
+    <a:clrScheme name="Office">
+      <a:dk1>
+        <a:sysClr val="windowText" lastClr="000000"/>
+      </a:dk1>
+      <a:lt1>
+        <a:sysClr val="window" lastClr="FFFFFF"/>
+      </a:lt1>
+      <a:dk2>
+        <a:srgbClr val="44546A"/>
+      </a:dk2>
+      <a:lt2>
+        <a:srgbClr val="E7E6E6"/>
+      </a:lt2>
+      <a:accent1>
+        <a:srgbClr val="5B9BD5"/>
+      </a:accent1>
+      <a:accent2>
+        <a:srgbClr val="ED7D31"/>
+      </a:accent2>
+      <a:accent3>
+        <a:srgbClr val="A5A5A5"/>
+      </a:accent3>
+      <a:accent4>
+        <a:srgbClr val="FFC000"/>
+      </a:accent4>
+      <a:accent5>
+        <a:srgbClr val="4472C4"/>
+      </a:accent5>
+      <a:accent6>
+        <a:srgbClr val="70AD47"/>
+      </a:accent6>
+      <a:hlink>
+        <a:srgbClr val="0563C1"/>
+      </a:hlink>
+      <a:folHlink>
+        <a:srgbClr val="954F72"/>
+      </a:folHlink>
+    </a:clrScheme>
+    <a:fontScheme name="Office">
+      <a:majorFont>
+        <a:latin typeface="Calibri Light" panose="020F0302020204030204"/>
+        <a:ea typeface=""/>
+        <a:cs typeface=""/>
+        <a:font script="Jpan" typeface="ＭＳ Ｐゴシック"/>
+        <a:font script="Hang" typeface="맑은 고딕"/>
+        <a:font script="Hans" typeface="宋体"/>
+        <a:font script="Hant" typeface="新細明體"/>
+        <a:font script="Arab" typeface="Times New Roman"/>
+        <a:font script="Hebr" typeface="Times New Roman"/>
+        <a:font script="Thai" typeface="Angsana New"/>
+        <a:font script="Ethi" typeface="Nyala"/>
+        <a:font script="Beng" typeface="Vrinda"/>
+        <a:font script="Gujr" typeface="Shruti"/>
+        <a:font script="Khmr" typeface="MoolBoran"/>
+        <a:font script="Knda" typeface="Tunga"/>
+        <a:font script="Guru" typeface="Raavi"/>
+        <a:font script="Cans" typeface="Euphemia"/>
+        <a:font script="Cher" typeface="Plantagenet Cherokee"/>
+        <a:font script="Yiii" typeface="Microsoft Yi Baiti"/>
+        <a:font script="Tibt" typeface="Microsoft Himalaya"/>
+        <a:font script="Thaa" typeface="MV Boli"/>
+        <a:font script="Deva" typeface="Mangal"/>
+        <a:font script="Telu" typeface="Gautami"/>
+        <a:font script="Taml" typeface="Latha"/>
+        <a:font script="Syrc" typeface="Estrangelo Edessa"/>
+        <a:font script="Orya" typeface="Kalinga"/>
+        <a:font script="Mlym" typeface="Kartika"/>
+        <a:font script="Laoo" typeface="DokChampa"/>
+        <a:font script="Sinh" typeface="Iskoola Pota"/>
+        <a:font script="Mong" typeface="Mongolian Baiti"/>
+        <a:font script="Viet" typeface="Times New Roman"/>
+        <a:font script="Uigh" typeface="Microsoft Uighur"/>
+        <a:font script="Geor" typeface="Sylfaen"/>
+      </a:majorFont>
+      <a:minorFont>
+        <a:latin typeface="Calibri" panose="020F0502020204030204"/>
+        <a:ea typeface=""/>
+        <a:cs typeface=""/>
+        <a:font script="Jpan" typeface="ＭＳ Ｐゴシック"/>
+        <a:font script="Hang" typeface="맑은 고딕"/>
+        <a:font script="Hans" typeface="宋体"/>
+        <a:font script="Hant" typeface="新細明體"/>
+        <a:font script="Arab" typeface="Arial"/>
+        <a:font script="Hebr" typeface="Arial"/>
+        <a:font script="Thai" typeface="Cordia New"/>
+        <a:font script="Ethi" typeface="Nyala"/>
+        <a:font script="Beng" typeface="Vrinda"/>
+        <a:font script="Gujr" typeface="Shruti"/>
+        <a:font script="Khmr" typeface="DaunPenh"/>
+        <a:font script="Knda" typeface="Tunga"/>
+        <a:font script="Guru" typeface="Raavi"/>
+        <a:font script="Cans" typeface="Euphemia"/>
+        <a:font script="Cher" typeface="Plantagenet Cherokee"/>
+        <a:font script="Yiii" typeface="Microsoft Yi Baiti"/>
+        <a:font script="Tibt" typeface="Microsoft Himalaya"/>
+        <a:font script="Thaa" typeface="MV Boli"/>
+        <a:font script="Deva" typeface="Mangal"/>
+        <a:font script="Telu" typeface="Gautami"/>
+        <a:font script="Taml" typeface="Latha"/>
+        <a:font script="Syrc" typeface="Estrangelo Edessa"/>
+        <a:font script="Orya" typeface="Kalinga"/>
+        <a:font script="Mlym" typeface="Kartika"/>
+        <a:font script="Laoo" typeface="DokChampa"/>
+        <a:font script="Sinh" typeface="Iskoola Pota"/>
+        <a:font script="Mong" typeface="Mongolian Baiti"/>
+        <a:font script="Viet" typeface="Arial"/>
+        <a:font script="Uigh" typeface="Microsoft Uighur"/>
+        <a:font script="Geor" typeface="Sylfaen"/>
+      </a:minorFont>
+    </a:fontScheme>
+    <a:fmtScheme name="Office">
+      <a:fillStyleLst>
+        <a:solidFill>
+          <a:schemeClr val="phClr"/>
+        </a:solidFill>
+        <a:gradFill rotWithShape="1">
+          <a:gsLst>
+            <a:gs pos="0">
+              <a:schemeClr val="phClr">
+                <a:lumMod val="110000"/>
+                <a:satMod val="105000"/>
+                <a:tint val="67000"/>
+              </a:schemeClr>
+            </a:gs>
+            <a:gs pos="50000">
+              <a:schemeClr val="phClr">
+                <a:lumMod val="105000"/>
+                <a:satMod val="103000"/>
+                <a:tint val="73000"/>
+              </a:schemeClr>
+            </a:gs>
+            <a:gs pos="100000">
+              <a:schemeClr val="phClr">
+                <a:lumMod val="105000"/>
+                <a:satMod val="109000"/>
+                <a:tint val="81000"/>
+              </a:schemeClr>
+            </a:gs>
+          </a:gsLst>
+          <a:lin ang="5400000" scaled="0"/>
+        </a:gradFill>
+        <a:gradFill rotWithShape="1">
+          <a:gsLst>
+            <a:gs pos="0">
+              <a:schemeClr val="phClr">
+                <a:satMod val="103000"/>
+                <a:lumMod val="102000"/>
+                <a:tint val="94000"/>
+              </a:schemeClr>
+            </a:gs>
+            <a:gs pos="50000">
+              <a:schemeClr val="phClr">
+                <a:satMod val="110000"/>
+                <a:lumMod val="100000"/>
+                <a:shade val="100000"/>
+              </a:schemeClr>
+            </a:gs>
+            <a:gs pos="100000">
+              <a:schemeClr val="phClr">
+                <a:lumMod val="99000"/>
+                <a:satMod val="120000"/>
+                <a:shade val="78000"/>
+              </a:schemeClr>
+            </a:gs>
+          </a:gsLst>
+          <a:lin ang="5400000" scaled="0"/>
+        </a:gradFill>
+      </a:fillStyleLst>
+      <a:lnStyleLst>
+        <a:ln w="6350" cap="flat" cmpd="sng" algn="ctr">
+          <a:solidFill>
+            <a:schemeClr val="phClr"/>
+          </a:solidFill>
+          <a:prstDash val="solid"/>
+          <a:miter lim="800000"/>
+        </a:ln>
+        <a:ln w="12700" cap="flat" cmpd="sng" algn="ctr">
+          <a:solidFill>
+            <a:schemeClr val="phClr"/>
+          </a:solidFill>
+          <a:prstDash val="solid"/>
+          <a:miter lim="800000"/>
+        </a:ln>
+        <a:ln w="19050" cap="flat" cmpd="sng" algn="ctr">
+          <a:solidFill>
+            <a:schemeClr val="phClr"/>
+          </a:solidFill>
+          <a:prstDash val="solid"/>
+          <a:miter lim="800000"/>
+        </a:ln>
+      </a:lnStyleLst>
+      <a:effectStyleLst>
+        <a:effectStyle>
+          <a:effectLst/>
+        </a:effectStyle>
+        <a:effectStyle>
+          <a:effectLst/>
+        </a:effectStyle>
+        <a:effectStyle>
+          <a:effectLst>
+            <a:outerShdw blurRad="57150" dist="19050" dir="5400000" algn="ctr" rotWithShape="0">
+              <a:srgbClr val="000000">
+                <a:alpha val="63000"/>
+              </a:srgbClr>
+            </a:outerShdw>
+          </a:effectLst>
+        </a:effectStyle>
+      </a:effectStyleLst>
+      <a:bgFillStyleLst>
+        <a:solidFill>
+          <a:schemeClr val="phClr"/>
+        </a:solidFill>
+        <a:solidFill>
+          <a:schemeClr val="phClr">
+            <a:tint val="95000"/>
+            <a:satMod val="170000"/>
+          </a:schemeClr>
+        </a:solidFill>
+        <a:gradFill rotWithShape="1">
+          <a:gsLst>
+            <a:gs pos="0">
+              <a:schemeClr val="phClr">
+                <a:tint val="93000"/>
+                <a:satMod val="150000"/>
+                <a:shade val="98000"/>
+                <a:lumMod val="102000"/>
+              </a:schemeClr>
+            </a:gs>
+            <a:gs pos="50000">
+              <a:schemeClr val="phClr">
+                <a:tint val="98000"/>
+                <a:satMod val="130000"/>
+                <a:shade val="90000"/>
+                <a:lumMod val="103000"/>
+              </a:schemeClr>
+            </a:gs>
+            <a:gs pos="100000">
+              <a:schemeClr val="phClr">
+                <a:shade val="63000"/>
+                <a:satMod val="120000"/>
+              </a:schemeClr>
+            </a:gs>
+          </a:gsLst>
+          <a:lin ang="5400000" scaled="0"/>
+        </a:gradFill>
+      </a:bgFillStyleLst>
+    </a:fmtScheme>
+  </a:themeElements>
+  <a:objectDefaults/>
+  <a:extraClrSchemeLst/>
+  <a:extLst>
+    <a:ext uri="{05A4C25C-085E-4340-85A3-A5531E510DB2}">
+      <thm15:themeFamily xmlns:thm15="http://schemas.microsoft.com/office/thememl/2012/main" name="Office Theme" id="{62F939B6-93AF-4DB8-9C6B-D6C7DFDC589F}" vid="{4A3C46E8-61CC-4603-A589-7422A47A8E4A}"/>
+    </a:ext>
+  </a:extLst>
+</a:theme>
 </file>